--- a/2.项目PPT/第十二周进度.pptx
+++ b/2.项目PPT/第十二周进度.pptx
@@ -8,6 +8,11 @@
     <p:sldId id="256" r:id="rId2"/>
     <p:sldId id="257" r:id="rId3"/>
     <p:sldId id="258" r:id="rId4"/>
+    <p:sldId id="261" r:id="rId5"/>
+    <p:sldId id="259" r:id="rId6"/>
+    <p:sldId id="260" r:id="rId7"/>
+    <p:sldId id="262" r:id="rId8"/>
+    <p:sldId id="263" r:id="rId9"/>
   </p:sldIdLst>
   <p:sldSz cx="9144000" cy="6858000" type="screen4x3"/>
   <p:notesSz cx="6858000" cy="9144000"/>
@@ -343,6 +348,9 @@
   <p:clrMapOvr>
     <a:masterClrMapping/>
   </p:clrMapOvr>
+  <p:transition spd="slow">
+    <p:push dir="u"/>
+  </p:transition>
 </p:sldLayout>
 </file>
 
@@ -508,6 +516,9 @@
   <p:clrMapOvr>
     <a:masterClrMapping/>
   </p:clrMapOvr>
+  <p:transition spd="slow">
+    <p:push dir="u"/>
+  </p:transition>
 </p:sldLayout>
 </file>
 
@@ -683,6 +694,9 @@
   <p:clrMapOvr>
     <a:masterClrMapping/>
   </p:clrMapOvr>
+  <p:transition spd="slow">
+    <p:push dir="u"/>
+  </p:transition>
 </p:sldLayout>
 </file>
 
@@ -848,6 +862,9 @@
   <p:clrMapOvr>
     <a:masterClrMapping/>
   </p:clrMapOvr>
+  <p:transition spd="slow">
+    <p:push dir="u"/>
+  </p:transition>
 </p:sldLayout>
 </file>
 
@@ -1089,6 +1106,9 @@
   <p:clrMapOvr>
     <a:masterClrMapping/>
   </p:clrMapOvr>
+  <p:transition spd="slow">
+    <p:push dir="u"/>
+  </p:transition>
 </p:sldLayout>
 </file>
 
@@ -1372,6 +1392,9 @@
   <p:clrMapOvr>
     <a:masterClrMapping/>
   </p:clrMapOvr>
+  <p:transition spd="slow">
+    <p:push dir="u"/>
+  </p:transition>
 </p:sldLayout>
 </file>
 
@@ -1789,6 +1812,9 @@
   <p:clrMapOvr>
     <a:masterClrMapping/>
   </p:clrMapOvr>
+  <p:transition spd="slow">
+    <p:push dir="u"/>
+  </p:transition>
 </p:sldLayout>
 </file>
 
@@ -1902,6 +1928,9 @@
   <p:clrMapOvr>
     <a:masterClrMapping/>
   </p:clrMapOvr>
+  <p:transition spd="slow">
+    <p:push dir="u"/>
+  </p:transition>
 </p:sldLayout>
 </file>
 
@@ -1992,6 +2021,9 @@
   <p:clrMapOvr>
     <a:masterClrMapping/>
   </p:clrMapOvr>
+  <p:transition spd="slow">
+    <p:push dir="u"/>
+  </p:transition>
 </p:sldLayout>
 </file>
 
@@ -2264,6 +2296,9 @@
   <p:clrMapOvr>
     <a:masterClrMapping/>
   </p:clrMapOvr>
+  <p:transition spd="slow">
+    <p:push dir="u"/>
+  </p:transition>
 </p:sldLayout>
 </file>
 
@@ -2512,6 +2547,9 @@
   <p:clrMapOvr>
     <a:masterClrMapping/>
   </p:clrMapOvr>
+  <p:transition spd="slow">
+    <p:push dir="u"/>
+  </p:transition>
 </p:sldLayout>
 </file>
 
@@ -2767,6 +2805,9 @@
     <p:sldLayoutId id="2147483658" r:id="rId10"/>
     <p:sldLayoutId id="2147483659" r:id="rId11"/>
   </p:sldLayoutIdLst>
+  <p:transition spd="slow">
+    <p:push dir="u"/>
+  </p:transition>
   <p:txStyles>
     <p:titleStyle>
       <a:lvl1pPr algn="ctr" defTabSz="914400" rtl="0" eaLnBrk="1" latinLnBrk="0" hangingPunct="1">
@@ -3049,18 +3090,20 @@
         </p:nvSpPr>
         <p:spPr/>
         <p:txBody>
-          <a:bodyPr/>
+          <a:bodyPr>
+            <a:normAutofit/>
+          </a:bodyPr>
           <a:lstStyle/>
           <a:p>
             <a:r>
-              <a:rPr lang="zh-CN" altLang="en-US" dirty="0"/>
+              <a:rPr lang="zh-CN" altLang="en-US" sz="6600" dirty="0"/>
               <a:t>测试</a:t>
             </a:r>
             <a:r>
-              <a:rPr lang="zh-CN" altLang="en-US" dirty="0" smtClean="0"/>
+              <a:rPr lang="zh-CN" altLang="en-US" sz="6600" dirty="0" smtClean="0"/>
               <a:t>需求评审</a:t>
             </a:r>
-            <a:endParaRPr lang="zh-CN" altLang="en-US" dirty="0"/>
+            <a:endParaRPr lang="zh-CN" altLang="en-US" sz="6600" dirty="0"/>
           </a:p>
         </p:txBody>
       </p:sp>
@@ -3118,6 +3161,16 @@
   <p:clrMapOvr>
     <a:masterClrMapping/>
   </p:clrMapOvr>
+  <p:transition spd="slow">
+    <p:push dir="u"/>
+  </p:transition>
+  <p:timing>
+    <p:tnLst>
+      <p:par>
+        <p:cTn id="1" dur="indefinite" restart="never" nodeType="tmRoot"/>
+      </p:par>
+    </p:tnLst>
+  </p:timing>
 </p:sld>
 </file>
 
@@ -3277,6 +3330,408 @@
   <p:clrMapOvr>
     <a:masterClrMapping/>
   </p:clrMapOvr>
+  <p:transition spd="slow">
+    <p:push dir="u"/>
+  </p:transition>
+  <p:timing>
+    <p:tnLst>
+      <p:par>
+        <p:cTn id="1" dur="indefinite" restart="never" nodeType="tmRoot">
+          <p:childTnLst>
+            <p:seq concurrent="1" nextAc="seek">
+              <p:cTn id="2" dur="indefinite" nodeType="mainSeq">
+                <p:childTnLst>
+                  <p:par>
+                    <p:cTn id="3" fill="hold">
+                      <p:stCondLst>
+                        <p:cond delay="indefinite"/>
+                      </p:stCondLst>
+                      <p:childTnLst>
+                        <p:par>
+                          <p:cTn id="4" fill="hold">
+                            <p:stCondLst>
+                              <p:cond delay="0"/>
+                            </p:stCondLst>
+                            <p:childTnLst>
+                              <p:par>
+                                <p:cTn id="5" presetID="10" presetClass="entr" presetSubtype="0" fill="hold" grpId="0" nodeType="clickEffect">
+                                  <p:stCondLst>
+                                    <p:cond delay="0"/>
+                                  </p:stCondLst>
+                                  <p:childTnLst>
+                                    <p:set>
+                                      <p:cBhvr>
+                                        <p:cTn id="6" dur="1" fill="hold">
+                                          <p:stCondLst>
+                                            <p:cond delay="0"/>
+                                          </p:stCondLst>
+                                        </p:cTn>
+                                        <p:tgtEl>
+                                          <p:spTgt spid="3">
+                                            <p:txEl>
+                                              <p:pRg st="0" end="0"/>
+                                            </p:txEl>
+                                          </p:spTgt>
+                                        </p:tgtEl>
+                                        <p:attrNameLst>
+                                          <p:attrName>style.visibility</p:attrName>
+                                        </p:attrNameLst>
+                                      </p:cBhvr>
+                                      <p:to>
+                                        <p:strVal val="visible"/>
+                                      </p:to>
+                                    </p:set>
+                                    <p:animEffect transition="in" filter="fade">
+                                      <p:cBhvr>
+                                        <p:cTn id="7" dur="500"/>
+                                        <p:tgtEl>
+                                          <p:spTgt spid="3">
+                                            <p:txEl>
+                                              <p:pRg st="0" end="0"/>
+                                            </p:txEl>
+                                          </p:spTgt>
+                                        </p:tgtEl>
+                                      </p:cBhvr>
+                                    </p:animEffect>
+                                  </p:childTnLst>
+                                </p:cTn>
+                              </p:par>
+                            </p:childTnLst>
+                          </p:cTn>
+                        </p:par>
+                      </p:childTnLst>
+                    </p:cTn>
+                  </p:par>
+                  <p:par>
+                    <p:cTn id="8" fill="hold">
+                      <p:stCondLst>
+                        <p:cond delay="indefinite"/>
+                      </p:stCondLst>
+                      <p:childTnLst>
+                        <p:par>
+                          <p:cTn id="9" fill="hold">
+                            <p:stCondLst>
+                              <p:cond delay="0"/>
+                            </p:stCondLst>
+                            <p:childTnLst>
+                              <p:par>
+                                <p:cTn id="10" presetID="10" presetClass="entr" presetSubtype="0" fill="hold" grpId="0" nodeType="clickEffect">
+                                  <p:stCondLst>
+                                    <p:cond delay="0"/>
+                                  </p:stCondLst>
+                                  <p:childTnLst>
+                                    <p:set>
+                                      <p:cBhvr>
+                                        <p:cTn id="11" dur="1" fill="hold">
+                                          <p:stCondLst>
+                                            <p:cond delay="0"/>
+                                          </p:stCondLst>
+                                        </p:cTn>
+                                        <p:tgtEl>
+                                          <p:spTgt spid="3">
+                                            <p:txEl>
+                                              <p:pRg st="1" end="1"/>
+                                            </p:txEl>
+                                          </p:spTgt>
+                                        </p:tgtEl>
+                                        <p:attrNameLst>
+                                          <p:attrName>style.visibility</p:attrName>
+                                        </p:attrNameLst>
+                                      </p:cBhvr>
+                                      <p:to>
+                                        <p:strVal val="visible"/>
+                                      </p:to>
+                                    </p:set>
+                                    <p:animEffect transition="in" filter="fade">
+                                      <p:cBhvr>
+                                        <p:cTn id="12" dur="500"/>
+                                        <p:tgtEl>
+                                          <p:spTgt spid="3">
+                                            <p:txEl>
+                                              <p:pRg st="1" end="1"/>
+                                            </p:txEl>
+                                          </p:spTgt>
+                                        </p:tgtEl>
+                                      </p:cBhvr>
+                                    </p:animEffect>
+                                  </p:childTnLst>
+                                </p:cTn>
+                              </p:par>
+                            </p:childTnLst>
+                          </p:cTn>
+                        </p:par>
+                      </p:childTnLst>
+                    </p:cTn>
+                  </p:par>
+                  <p:par>
+                    <p:cTn id="13" fill="hold">
+                      <p:stCondLst>
+                        <p:cond delay="indefinite"/>
+                      </p:stCondLst>
+                      <p:childTnLst>
+                        <p:par>
+                          <p:cTn id="14" fill="hold">
+                            <p:stCondLst>
+                              <p:cond delay="0"/>
+                            </p:stCondLst>
+                            <p:childTnLst>
+                              <p:par>
+                                <p:cTn id="15" presetID="10" presetClass="entr" presetSubtype="0" fill="hold" grpId="0" nodeType="clickEffect">
+                                  <p:stCondLst>
+                                    <p:cond delay="0"/>
+                                  </p:stCondLst>
+                                  <p:childTnLst>
+                                    <p:set>
+                                      <p:cBhvr>
+                                        <p:cTn id="16" dur="1" fill="hold">
+                                          <p:stCondLst>
+                                            <p:cond delay="0"/>
+                                          </p:stCondLst>
+                                        </p:cTn>
+                                        <p:tgtEl>
+                                          <p:spTgt spid="3">
+                                            <p:txEl>
+                                              <p:pRg st="2" end="2"/>
+                                            </p:txEl>
+                                          </p:spTgt>
+                                        </p:tgtEl>
+                                        <p:attrNameLst>
+                                          <p:attrName>style.visibility</p:attrName>
+                                        </p:attrNameLst>
+                                      </p:cBhvr>
+                                      <p:to>
+                                        <p:strVal val="visible"/>
+                                      </p:to>
+                                    </p:set>
+                                    <p:animEffect transition="in" filter="fade">
+                                      <p:cBhvr>
+                                        <p:cTn id="17" dur="500"/>
+                                        <p:tgtEl>
+                                          <p:spTgt spid="3">
+                                            <p:txEl>
+                                              <p:pRg st="2" end="2"/>
+                                            </p:txEl>
+                                          </p:spTgt>
+                                        </p:tgtEl>
+                                      </p:cBhvr>
+                                    </p:animEffect>
+                                  </p:childTnLst>
+                                </p:cTn>
+                              </p:par>
+                            </p:childTnLst>
+                          </p:cTn>
+                        </p:par>
+                      </p:childTnLst>
+                    </p:cTn>
+                  </p:par>
+                  <p:par>
+                    <p:cTn id="18" fill="hold">
+                      <p:stCondLst>
+                        <p:cond delay="indefinite"/>
+                      </p:stCondLst>
+                      <p:childTnLst>
+                        <p:par>
+                          <p:cTn id="19" fill="hold">
+                            <p:stCondLst>
+                              <p:cond delay="0"/>
+                            </p:stCondLst>
+                            <p:childTnLst>
+                              <p:par>
+                                <p:cTn id="20" presetID="10" presetClass="entr" presetSubtype="0" fill="hold" grpId="0" nodeType="clickEffect">
+                                  <p:stCondLst>
+                                    <p:cond delay="0"/>
+                                  </p:stCondLst>
+                                  <p:childTnLst>
+                                    <p:set>
+                                      <p:cBhvr>
+                                        <p:cTn id="21" dur="1" fill="hold">
+                                          <p:stCondLst>
+                                            <p:cond delay="0"/>
+                                          </p:stCondLst>
+                                        </p:cTn>
+                                        <p:tgtEl>
+                                          <p:spTgt spid="3">
+                                            <p:txEl>
+                                              <p:pRg st="3" end="3"/>
+                                            </p:txEl>
+                                          </p:spTgt>
+                                        </p:tgtEl>
+                                        <p:attrNameLst>
+                                          <p:attrName>style.visibility</p:attrName>
+                                        </p:attrNameLst>
+                                      </p:cBhvr>
+                                      <p:to>
+                                        <p:strVal val="visible"/>
+                                      </p:to>
+                                    </p:set>
+                                    <p:animEffect transition="in" filter="fade">
+                                      <p:cBhvr>
+                                        <p:cTn id="22" dur="500"/>
+                                        <p:tgtEl>
+                                          <p:spTgt spid="3">
+                                            <p:txEl>
+                                              <p:pRg st="3" end="3"/>
+                                            </p:txEl>
+                                          </p:spTgt>
+                                        </p:tgtEl>
+                                      </p:cBhvr>
+                                    </p:animEffect>
+                                  </p:childTnLst>
+                                </p:cTn>
+                              </p:par>
+                            </p:childTnLst>
+                          </p:cTn>
+                        </p:par>
+                      </p:childTnLst>
+                    </p:cTn>
+                  </p:par>
+                  <p:par>
+                    <p:cTn id="23" fill="hold">
+                      <p:stCondLst>
+                        <p:cond delay="indefinite"/>
+                      </p:stCondLst>
+                      <p:childTnLst>
+                        <p:par>
+                          <p:cTn id="24" fill="hold">
+                            <p:stCondLst>
+                              <p:cond delay="0"/>
+                            </p:stCondLst>
+                            <p:childTnLst>
+                              <p:par>
+                                <p:cTn id="25" presetID="10" presetClass="entr" presetSubtype="0" fill="hold" grpId="0" nodeType="clickEffect">
+                                  <p:stCondLst>
+                                    <p:cond delay="0"/>
+                                  </p:stCondLst>
+                                  <p:childTnLst>
+                                    <p:set>
+                                      <p:cBhvr>
+                                        <p:cTn id="26" dur="1" fill="hold">
+                                          <p:stCondLst>
+                                            <p:cond delay="0"/>
+                                          </p:stCondLst>
+                                        </p:cTn>
+                                        <p:tgtEl>
+                                          <p:spTgt spid="3">
+                                            <p:txEl>
+                                              <p:pRg st="4" end="4"/>
+                                            </p:txEl>
+                                          </p:spTgt>
+                                        </p:tgtEl>
+                                        <p:attrNameLst>
+                                          <p:attrName>style.visibility</p:attrName>
+                                        </p:attrNameLst>
+                                      </p:cBhvr>
+                                      <p:to>
+                                        <p:strVal val="visible"/>
+                                      </p:to>
+                                    </p:set>
+                                    <p:animEffect transition="in" filter="fade">
+                                      <p:cBhvr>
+                                        <p:cTn id="27" dur="500"/>
+                                        <p:tgtEl>
+                                          <p:spTgt spid="3">
+                                            <p:txEl>
+                                              <p:pRg st="4" end="4"/>
+                                            </p:txEl>
+                                          </p:spTgt>
+                                        </p:tgtEl>
+                                      </p:cBhvr>
+                                    </p:animEffect>
+                                  </p:childTnLst>
+                                </p:cTn>
+                              </p:par>
+                            </p:childTnLst>
+                          </p:cTn>
+                        </p:par>
+                      </p:childTnLst>
+                    </p:cTn>
+                  </p:par>
+                  <p:par>
+                    <p:cTn id="28" fill="hold">
+                      <p:stCondLst>
+                        <p:cond delay="indefinite"/>
+                      </p:stCondLst>
+                      <p:childTnLst>
+                        <p:par>
+                          <p:cTn id="29" fill="hold">
+                            <p:stCondLst>
+                              <p:cond delay="0"/>
+                            </p:stCondLst>
+                            <p:childTnLst>
+                              <p:par>
+                                <p:cTn id="30" presetID="10" presetClass="entr" presetSubtype="0" fill="hold" grpId="0" nodeType="clickEffect">
+                                  <p:stCondLst>
+                                    <p:cond delay="0"/>
+                                  </p:stCondLst>
+                                  <p:childTnLst>
+                                    <p:set>
+                                      <p:cBhvr>
+                                        <p:cTn id="31" dur="1" fill="hold">
+                                          <p:stCondLst>
+                                            <p:cond delay="0"/>
+                                          </p:stCondLst>
+                                        </p:cTn>
+                                        <p:tgtEl>
+                                          <p:spTgt spid="3">
+                                            <p:txEl>
+                                              <p:pRg st="5" end="5"/>
+                                            </p:txEl>
+                                          </p:spTgt>
+                                        </p:tgtEl>
+                                        <p:attrNameLst>
+                                          <p:attrName>style.visibility</p:attrName>
+                                        </p:attrNameLst>
+                                      </p:cBhvr>
+                                      <p:to>
+                                        <p:strVal val="visible"/>
+                                      </p:to>
+                                    </p:set>
+                                    <p:animEffect transition="in" filter="fade">
+                                      <p:cBhvr>
+                                        <p:cTn id="32" dur="500"/>
+                                        <p:tgtEl>
+                                          <p:spTgt spid="3">
+                                            <p:txEl>
+                                              <p:pRg st="5" end="5"/>
+                                            </p:txEl>
+                                          </p:spTgt>
+                                        </p:tgtEl>
+                                      </p:cBhvr>
+                                    </p:animEffect>
+                                  </p:childTnLst>
+                                </p:cTn>
+                              </p:par>
+                            </p:childTnLst>
+                          </p:cTn>
+                        </p:par>
+                      </p:childTnLst>
+                    </p:cTn>
+                  </p:par>
+                </p:childTnLst>
+              </p:cTn>
+              <p:prevCondLst>
+                <p:cond evt="onPrev" delay="0">
+                  <p:tgtEl>
+                    <p:sldTgt/>
+                  </p:tgtEl>
+                </p:cond>
+              </p:prevCondLst>
+              <p:nextCondLst>
+                <p:cond evt="onNext" delay="0">
+                  <p:tgtEl>
+                    <p:sldTgt/>
+                  </p:tgtEl>
+                </p:cond>
+              </p:nextCondLst>
+            </p:seq>
+          </p:childTnLst>
+        </p:cTn>
+      </p:par>
+    </p:tnLst>
+    <p:bldLst>
+      <p:bldP spid="3" grpId="0" build="p"/>
+    </p:bldLst>
+  </p:timing>
 </p:sld>
 </file>
 
@@ -3330,9 +3785,16 @@
             <p:ph idx="1"/>
           </p:nvPr>
         </p:nvSpPr>
-        <p:spPr/>
+        <p:spPr>
+          <a:xfrm>
+            <a:off x="457200" y="1600200"/>
+            <a:ext cx="8229600" cy="5257800"/>
+          </a:xfrm>
+        </p:spPr>
         <p:txBody>
-          <a:bodyPr/>
+          <a:bodyPr>
+            <a:normAutofit/>
+          </a:bodyPr>
           <a:lstStyle/>
           <a:p>
             <a:r>
@@ -3419,8 +3881,43 @@
               <a:t>8</a:t>
             </a:r>
             <a:r>
-              <a:rPr lang="zh-CN" altLang="en-US" smtClean="0"/>
+              <a:rPr lang="zh-CN" altLang="en-US" dirty="0" smtClean="0"/>
               <a:t>条（表述不规范等）</a:t>
+            </a:r>
+            <a:endParaRPr lang="en-US" altLang="zh-CN" dirty="0" smtClean="0"/>
+          </a:p>
+          <a:p>
+            <a:r>
+              <a:rPr lang="zh-CN" altLang="en-US" dirty="0"/>
+              <a:t>修订</a:t>
+            </a:r>
+            <a:r>
+              <a:rPr lang="zh-CN" altLang="en-US" dirty="0" smtClean="0"/>
+              <a:t>进展：</a:t>
+            </a:r>
+            <a:r>
+              <a:rPr lang="en-US" altLang="zh-CN" dirty="0"/>
+              <a:t>16TeamC\3.</a:t>
+            </a:r>
+            <a:r>
+              <a:rPr lang="zh-CN" altLang="en-US" dirty="0"/>
+              <a:t>项目提交文档</a:t>
+            </a:r>
+            <a:r>
+              <a:rPr lang="en-US" altLang="zh-CN" dirty="0"/>
+              <a:t>\3.3</a:t>
+            </a:r>
+            <a:r>
+              <a:rPr lang="zh-CN" altLang="en-US" dirty="0"/>
+              <a:t>测试需求规格说明书</a:t>
+            </a:r>
+            <a:r>
+              <a:rPr lang="en-US" altLang="zh-CN" dirty="0" smtClean="0"/>
+              <a:t>.</a:t>
+            </a:r>
+            <a:r>
+              <a:rPr lang="en-US" altLang="zh-CN" dirty="0" err="1" smtClean="0"/>
+              <a:t>docx</a:t>
             </a:r>
             <a:endParaRPr lang="en-US" altLang="zh-CN" dirty="0" smtClean="0"/>
           </a:p>
@@ -3442,6 +3939,3997 @@
   <p:clrMapOvr>
     <a:masterClrMapping/>
   </p:clrMapOvr>
+  <p:transition spd="slow">
+    <p:push dir="u"/>
+  </p:transition>
+  <p:timing>
+    <p:tnLst>
+      <p:par>
+        <p:cTn id="1" dur="indefinite" restart="never" nodeType="tmRoot">
+          <p:childTnLst>
+            <p:seq concurrent="1" nextAc="seek">
+              <p:cTn id="2" dur="indefinite" nodeType="mainSeq">
+                <p:childTnLst>
+                  <p:par>
+                    <p:cTn id="3" fill="hold">
+                      <p:stCondLst>
+                        <p:cond delay="indefinite"/>
+                      </p:stCondLst>
+                      <p:childTnLst>
+                        <p:par>
+                          <p:cTn id="4" fill="hold">
+                            <p:stCondLst>
+                              <p:cond delay="0"/>
+                            </p:stCondLst>
+                            <p:childTnLst>
+                              <p:par>
+                                <p:cTn id="5" presetID="10" presetClass="entr" presetSubtype="0" fill="hold" grpId="0" nodeType="clickEffect">
+                                  <p:stCondLst>
+                                    <p:cond delay="0"/>
+                                  </p:stCondLst>
+                                  <p:childTnLst>
+                                    <p:set>
+                                      <p:cBhvr>
+                                        <p:cTn id="6" dur="1" fill="hold">
+                                          <p:stCondLst>
+                                            <p:cond delay="0"/>
+                                          </p:stCondLst>
+                                        </p:cTn>
+                                        <p:tgtEl>
+                                          <p:spTgt spid="3">
+                                            <p:txEl>
+                                              <p:pRg st="0" end="0"/>
+                                            </p:txEl>
+                                          </p:spTgt>
+                                        </p:tgtEl>
+                                        <p:attrNameLst>
+                                          <p:attrName>style.visibility</p:attrName>
+                                        </p:attrNameLst>
+                                      </p:cBhvr>
+                                      <p:to>
+                                        <p:strVal val="visible"/>
+                                      </p:to>
+                                    </p:set>
+                                    <p:animEffect transition="in" filter="fade">
+                                      <p:cBhvr>
+                                        <p:cTn id="7" dur="500"/>
+                                        <p:tgtEl>
+                                          <p:spTgt spid="3">
+                                            <p:txEl>
+                                              <p:pRg st="0" end="0"/>
+                                            </p:txEl>
+                                          </p:spTgt>
+                                        </p:tgtEl>
+                                      </p:cBhvr>
+                                    </p:animEffect>
+                                  </p:childTnLst>
+                                </p:cTn>
+                              </p:par>
+                            </p:childTnLst>
+                          </p:cTn>
+                        </p:par>
+                      </p:childTnLst>
+                    </p:cTn>
+                  </p:par>
+                  <p:par>
+                    <p:cTn id="8" fill="hold">
+                      <p:stCondLst>
+                        <p:cond delay="indefinite"/>
+                      </p:stCondLst>
+                      <p:childTnLst>
+                        <p:par>
+                          <p:cTn id="9" fill="hold">
+                            <p:stCondLst>
+                              <p:cond delay="0"/>
+                            </p:stCondLst>
+                            <p:childTnLst>
+                              <p:par>
+                                <p:cTn id="10" presetID="10" presetClass="entr" presetSubtype="0" fill="hold" grpId="0" nodeType="clickEffect">
+                                  <p:stCondLst>
+                                    <p:cond delay="0"/>
+                                  </p:stCondLst>
+                                  <p:childTnLst>
+                                    <p:set>
+                                      <p:cBhvr>
+                                        <p:cTn id="11" dur="1" fill="hold">
+                                          <p:stCondLst>
+                                            <p:cond delay="0"/>
+                                          </p:stCondLst>
+                                        </p:cTn>
+                                        <p:tgtEl>
+                                          <p:spTgt spid="3">
+                                            <p:txEl>
+                                              <p:pRg st="1" end="1"/>
+                                            </p:txEl>
+                                          </p:spTgt>
+                                        </p:tgtEl>
+                                        <p:attrNameLst>
+                                          <p:attrName>style.visibility</p:attrName>
+                                        </p:attrNameLst>
+                                      </p:cBhvr>
+                                      <p:to>
+                                        <p:strVal val="visible"/>
+                                      </p:to>
+                                    </p:set>
+                                    <p:animEffect transition="in" filter="fade">
+                                      <p:cBhvr>
+                                        <p:cTn id="12" dur="500"/>
+                                        <p:tgtEl>
+                                          <p:spTgt spid="3">
+                                            <p:txEl>
+                                              <p:pRg st="1" end="1"/>
+                                            </p:txEl>
+                                          </p:spTgt>
+                                        </p:tgtEl>
+                                      </p:cBhvr>
+                                    </p:animEffect>
+                                  </p:childTnLst>
+                                </p:cTn>
+                              </p:par>
+                            </p:childTnLst>
+                          </p:cTn>
+                        </p:par>
+                      </p:childTnLst>
+                    </p:cTn>
+                  </p:par>
+                  <p:par>
+                    <p:cTn id="13" fill="hold">
+                      <p:stCondLst>
+                        <p:cond delay="indefinite"/>
+                      </p:stCondLst>
+                      <p:childTnLst>
+                        <p:par>
+                          <p:cTn id="14" fill="hold">
+                            <p:stCondLst>
+                              <p:cond delay="0"/>
+                            </p:stCondLst>
+                            <p:childTnLst>
+                              <p:par>
+                                <p:cTn id="15" presetID="10" presetClass="entr" presetSubtype="0" fill="hold" grpId="0" nodeType="clickEffect">
+                                  <p:stCondLst>
+                                    <p:cond delay="0"/>
+                                  </p:stCondLst>
+                                  <p:childTnLst>
+                                    <p:set>
+                                      <p:cBhvr>
+                                        <p:cTn id="16" dur="1" fill="hold">
+                                          <p:stCondLst>
+                                            <p:cond delay="0"/>
+                                          </p:stCondLst>
+                                        </p:cTn>
+                                        <p:tgtEl>
+                                          <p:spTgt spid="3">
+                                            <p:txEl>
+                                              <p:pRg st="2" end="2"/>
+                                            </p:txEl>
+                                          </p:spTgt>
+                                        </p:tgtEl>
+                                        <p:attrNameLst>
+                                          <p:attrName>style.visibility</p:attrName>
+                                        </p:attrNameLst>
+                                      </p:cBhvr>
+                                      <p:to>
+                                        <p:strVal val="visible"/>
+                                      </p:to>
+                                    </p:set>
+                                    <p:animEffect transition="in" filter="fade">
+                                      <p:cBhvr>
+                                        <p:cTn id="17" dur="500"/>
+                                        <p:tgtEl>
+                                          <p:spTgt spid="3">
+                                            <p:txEl>
+                                              <p:pRg st="2" end="2"/>
+                                            </p:txEl>
+                                          </p:spTgt>
+                                        </p:tgtEl>
+                                      </p:cBhvr>
+                                    </p:animEffect>
+                                  </p:childTnLst>
+                                </p:cTn>
+                              </p:par>
+                            </p:childTnLst>
+                          </p:cTn>
+                        </p:par>
+                      </p:childTnLst>
+                    </p:cTn>
+                  </p:par>
+                  <p:par>
+                    <p:cTn id="18" fill="hold">
+                      <p:stCondLst>
+                        <p:cond delay="indefinite"/>
+                      </p:stCondLst>
+                      <p:childTnLst>
+                        <p:par>
+                          <p:cTn id="19" fill="hold">
+                            <p:stCondLst>
+                              <p:cond delay="0"/>
+                            </p:stCondLst>
+                            <p:childTnLst>
+                              <p:par>
+                                <p:cTn id="20" presetID="10" presetClass="entr" presetSubtype="0" fill="hold" grpId="0" nodeType="clickEffect">
+                                  <p:stCondLst>
+                                    <p:cond delay="0"/>
+                                  </p:stCondLst>
+                                  <p:childTnLst>
+                                    <p:set>
+                                      <p:cBhvr>
+                                        <p:cTn id="21" dur="1" fill="hold">
+                                          <p:stCondLst>
+                                            <p:cond delay="0"/>
+                                          </p:stCondLst>
+                                        </p:cTn>
+                                        <p:tgtEl>
+                                          <p:spTgt spid="3">
+                                            <p:txEl>
+                                              <p:pRg st="3" end="3"/>
+                                            </p:txEl>
+                                          </p:spTgt>
+                                        </p:tgtEl>
+                                        <p:attrNameLst>
+                                          <p:attrName>style.visibility</p:attrName>
+                                        </p:attrNameLst>
+                                      </p:cBhvr>
+                                      <p:to>
+                                        <p:strVal val="visible"/>
+                                      </p:to>
+                                    </p:set>
+                                    <p:animEffect transition="in" filter="fade">
+                                      <p:cBhvr>
+                                        <p:cTn id="22" dur="500"/>
+                                        <p:tgtEl>
+                                          <p:spTgt spid="3">
+                                            <p:txEl>
+                                              <p:pRg st="3" end="3"/>
+                                            </p:txEl>
+                                          </p:spTgt>
+                                        </p:tgtEl>
+                                      </p:cBhvr>
+                                    </p:animEffect>
+                                  </p:childTnLst>
+                                </p:cTn>
+                              </p:par>
+                            </p:childTnLst>
+                          </p:cTn>
+                        </p:par>
+                      </p:childTnLst>
+                    </p:cTn>
+                  </p:par>
+                  <p:par>
+                    <p:cTn id="23" fill="hold">
+                      <p:stCondLst>
+                        <p:cond delay="indefinite"/>
+                      </p:stCondLst>
+                      <p:childTnLst>
+                        <p:par>
+                          <p:cTn id="24" fill="hold">
+                            <p:stCondLst>
+                              <p:cond delay="0"/>
+                            </p:stCondLst>
+                            <p:childTnLst>
+                              <p:par>
+                                <p:cTn id="25" presetID="10" presetClass="entr" presetSubtype="0" fill="hold" grpId="0" nodeType="clickEffect">
+                                  <p:stCondLst>
+                                    <p:cond delay="0"/>
+                                  </p:stCondLst>
+                                  <p:childTnLst>
+                                    <p:set>
+                                      <p:cBhvr>
+                                        <p:cTn id="26" dur="1" fill="hold">
+                                          <p:stCondLst>
+                                            <p:cond delay="0"/>
+                                          </p:stCondLst>
+                                        </p:cTn>
+                                        <p:tgtEl>
+                                          <p:spTgt spid="3">
+                                            <p:txEl>
+                                              <p:pRg st="4" end="4"/>
+                                            </p:txEl>
+                                          </p:spTgt>
+                                        </p:tgtEl>
+                                        <p:attrNameLst>
+                                          <p:attrName>style.visibility</p:attrName>
+                                        </p:attrNameLst>
+                                      </p:cBhvr>
+                                      <p:to>
+                                        <p:strVal val="visible"/>
+                                      </p:to>
+                                    </p:set>
+                                    <p:animEffect transition="in" filter="fade">
+                                      <p:cBhvr>
+                                        <p:cTn id="27" dur="500"/>
+                                        <p:tgtEl>
+                                          <p:spTgt spid="3">
+                                            <p:txEl>
+                                              <p:pRg st="4" end="4"/>
+                                            </p:txEl>
+                                          </p:spTgt>
+                                        </p:tgtEl>
+                                      </p:cBhvr>
+                                    </p:animEffect>
+                                  </p:childTnLst>
+                                </p:cTn>
+                              </p:par>
+                            </p:childTnLst>
+                          </p:cTn>
+                        </p:par>
+                      </p:childTnLst>
+                    </p:cTn>
+                  </p:par>
+                  <p:par>
+                    <p:cTn id="28" fill="hold">
+                      <p:stCondLst>
+                        <p:cond delay="indefinite"/>
+                      </p:stCondLst>
+                      <p:childTnLst>
+                        <p:par>
+                          <p:cTn id="29" fill="hold">
+                            <p:stCondLst>
+                              <p:cond delay="0"/>
+                            </p:stCondLst>
+                            <p:childTnLst>
+                              <p:par>
+                                <p:cTn id="30" presetID="10" presetClass="entr" presetSubtype="0" fill="hold" grpId="0" nodeType="clickEffect">
+                                  <p:stCondLst>
+                                    <p:cond delay="0"/>
+                                  </p:stCondLst>
+                                  <p:childTnLst>
+                                    <p:set>
+                                      <p:cBhvr>
+                                        <p:cTn id="31" dur="1" fill="hold">
+                                          <p:stCondLst>
+                                            <p:cond delay="0"/>
+                                          </p:stCondLst>
+                                        </p:cTn>
+                                        <p:tgtEl>
+                                          <p:spTgt spid="3">
+                                            <p:txEl>
+                                              <p:pRg st="5" end="5"/>
+                                            </p:txEl>
+                                          </p:spTgt>
+                                        </p:tgtEl>
+                                        <p:attrNameLst>
+                                          <p:attrName>style.visibility</p:attrName>
+                                        </p:attrNameLst>
+                                      </p:cBhvr>
+                                      <p:to>
+                                        <p:strVal val="visible"/>
+                                      </p:to>
+                                    </p:set>
+                                    <p:animEffect transition="in" filter="fade">
+                                      <p:cBhvr>
+                                        <p:cTn id="32" dur="500"/>
+                                        <p:tgtEl>
+                                          <p:spTgt spid="3">
+                                            <p:txEl>
+                                              <p:pRg st="5" end="5"/>
+                                            </p:txEl>
+                                          </p:spTgt>
+                                        </p:tgtEl>
+                                      </p:cBhvr>
+                                    </p:animEffect>
+                                  </p:childTnLst>
+                                </p:cTn>
+                              </p:par>
+                            </p:childTnLst>
+                          </p:cTn>
+                        </p:par>
+                      </p:childTnLst>
+                    </p:cTn>
+                  </p:par>
+                  <p:par>
+                    <p:cTn id="33" fill="hold">
+                      <p:stCondLst>
+                        <p:cond delay="indefinite"/>
+                      </p:stCondLst>
+                      <p:childTnLst>
+                        <p:par>
+                          <p:cTn id="34" fill="hold">
+                            <p:stCondLst>
+                              <p:cond delay="0"/>
+                            </p:stCondLst>
+                            <p:childTnLst>
+                              <p:par>
+                                <p:cTn id="35" presetID="10" presetClass="entr" presetSubtype="0" fill="hold" grpId="0" nodeType="clickEffect">
+                                  <p:stCondLst>
+                                    <p:cond delay="0"/>
+                                  </p:stCondLst>
+                                  <p:childTnLst>
+                                    <p:set>
+                                      <p:cBhvr>
+                                        <p:cTn id="36" dur="1" fill="hold">
+                                          <p:stCondLst>
+                                            <p:cond delay="0"/>
+                                          </p:stCondLst>
+                                        </p:cTn>
+                                        <p:tgtEl>
+                                          <p:spTgt spid="3">
+                                            <p:txEl>
+                                              <p:pRg st="6" end="6"/>
+                                            </p:txEl>
+                                          </p:spTgt>
+                                        </p:tgtEl>
+                                        <p:attrNameLst>
+                                          <p:attrName>style.visibility</p:attrName>
+                                        </p:attrNameLst>
+                                      </p:cBhvr>
+                                      <p:to>
+                                        <p:strVal val="visible"/>
+                                      </p:to>
+                                    </p:set>
+                                    <p:animEffect transition="in" filter="fade">
+                                      <p:cBhvr>
+                                        <p:cTn id="37" dur="500"/>
+                                        <p:tgtEl>
+                                          <p:spTgt spid="3">
+                                            <p:txEl>
+                                              <p:pRg st="6" end="6"/>
+                                            </p:txEl>
+                                          </p:spTgt>
+                                        </p:tgtEl>
+                                      </p:cBhvr>
+                                    </p:animEffect>
+                                  </p:childTnLst>
+                                </p:cTn>
+                              </p:par>
+                            </p:childTnLst>
+                          </p:cTn>
+                        </p:par>
+                      </p:childTnLst>
+                    </p:cTn>
+                  </p:par>
+                </p:childTnLst>
+              </p:cTn>
+              <p:prevCondLst>
+                <p:cond evt="onPrev" delay="0">
+                  <p:tgtEl>
+                    <p:sldTgt/>
+                  </p:tgtEl>
+                </p:cond>
+              </p:prevCondLst>
+              <p:nextCondLst>
+                <p:cond evt="onNext" delay="0">
+                  <p:tgtEl>
+                    <p:sldTgt/>
+                  </p:tgtEl>
+                </p:cond>
+              </p:nextCondLst>
+            </p:seq>
+          </p:childTnLst>
+        </p:cTn>
+      </p:par>
+    </p:tnLst>
+    <p:bldLst>
+      <p:bldP spid="3" grpId="0" build="p"/>
+    </p:bldLst>
+  </p:timing>
+</p:sld>
+</file>
+
+<file path=ppt/slides/slide4.xml><?xml version="1.0" encoding="utf-8"?>
+<p:sld xmlns:a="http://schemas.openxmlformats.org/drawingml/2006/main" xmlns:r="http://schemas.openxmlformats.org/officeDocument/2006/relationships" xmlns:p="http://schemas.openxmlformats.org/presentationml/2006/main">
+  <p:cSld>
+    <p:spTree>
+      <p:nvGrpSpPr>
+        <p:cNvPr id="1" name=""/>
+        <p:cNvGrpSpPr/>
+        <p:nvPr/>
+      </p:nvGrpSpPr>
+      <p:grpSpPr>
+        <a:xfrm>
+          <a:off x="0" y="0"/>
+          <a:ext cx="0" cy="0"/>
+          <a:chOff x="0" y="0"/>
+          <a:chExt cx="0" cy="0"/>
+        </a:xfrm>
+      </p:grpSpPr>
+      <p:sp>
+        <p:nvSpPr>
+          <p:cNvPr id="2" name="标题 1"/>
+          <p:cNvSpPr>
+            <a:spLocks noGrp="1"/>
+          </p:cNvSpPr>
+          <p:nvPr>
+            <p:ph type="title"/>
+          </p:nvPr>
+        </p:nvSpPr>
+        <p:spPr/>
+        <p:txBody>
+          <a:bodyPr/>
+          <a:lstStyle/>
+          <a:p>
+            <a:r>
+              <a:rPr lang="zh-CN" altLang="en-US" dirty="0" smtClean="0"/>
+              <a:t>测试目标</a:t>
+            </a:r>
+            <a:endParaRPr lang="zh-CN" altLang="en-US" dirty="0"/>
+          </a:p>
+        </p:txBody>
+      </p:sp>
+      <p:sp>
+        <p:nvSpPr>
+          <p:cNvPr id="3" name="内容占位符 2"/>
+          <p:cNvSpPr>
+            <a:spLocks noGrp="1"/>
+          </p:cNvSpPr>
+          <p:nvPr>
+            <p:ph idx="1"/>
+          </p:nvPr>
+        </p:nvSpPr>
+        <p:spPr>
+          <a:xfrm>
+            <a:off x="457200" y="1600200"/>
+            <a:ext cx="8147248" cy="5257800"/>
+          </a:xfrm>
+        </p:spPr>
+        <p:txBody>
+          <a:bodyPr>
+            <a:normAutofit fontScale="92500" lnSpcReduction="10000"/>
+          </a:bodyPr>
+          <a:lstStyle/>
+          <a:p>
+            <a:r>
+              <a:rPr lang="zh-CN" altLang="zh-CN" dirty="0"/>
+              <a:t>涉及到的“系统”主要有两</a:t>
+            </a:r>
+            <a:r>
+              <a:rPr lang="zh-CN" altLang="zh-CN" dirty="0" smtClean="0"/>
+              <a:t>个</a:t>
+            </a:r>
+            <a:endParaRPr lang="en-US" altLang="zh-CN" dirty="0" smtClean="0"/>
+          </a:p>
+          <a:p>
+            <a:pPr lvl="1"/>
+            <a:r>
+              <a:rPr lang="zh-CN" altLang="en-US" dirty="0"/>
+              <a:t>所选择的软件</a:t>
+            </a:r>
+            <a:r>
+              <a:rPr lang="en-US" altLang="zh-CN" dirty="0" smtClean="0"/>
+              <a:t>A</a:t>
+            </a:r>
+          </a:p>
+          <a:p>
+            <a:pPr lvl="1"/>
+            <a:r>
+              <a:rPr lang="zh-CN" altLang="en-US" dirty="0"/>
+              <a:t>对</a:t>
+            </a:r>
+            <a:r>
+              <a:rPr lang="zh-CN" altLang="en-US" dirty="0" smtClean="0"/>
+              <a:t>软件</a:t>
+            </a:r>
+            <a:r>
+              <a:rPr lang="en-US" altLang="zh-CN" dirty="0" smtClean="0"/>
+              <a:t>A</a:t>
+            </a:r>
+            <a:r>
+              <a:rPr lang="zh-CN" altLang="en-US" dirty="0" smtClean="0"/>
+              <a:t>的扩展</a:t>
+            </a:r>
+            <a:r>
+              <a:rPr lang="en-US" altLang="zh-CN" dirty="0" smtClean="0"/>
+              <a:t>B</a:t>
+            </a:r>
+          </a:p>
+          <a:p>
+            <a:r>
+              <a:rPr lang="zh-CN" altLang="en-US" dirty="0" smtClean="0"/>
+              <a:t>对于</a:t>
+            </a:r>
+            <a:r>
+              <a:rPr lang="en-US" altLang="zh-CN" dirty="0" smtClean="0"/>
+              <a:t>A</a:t>
+            </a:r>
+          </a:p>
+          <a:p>
+            <a:pPr lvl="1"/>
+            <a:r>
+              <a:rPr lang="zh-CN" altLang="en-US" dirty="0" smtClean="0"/>
+              <a:t>测试</a:t>
+            </a:r>
+            <a:r>
+              <a:rPr lang="zh-CN" altLang="en-US" dirty="0"/>
+              <a:t>其功能是否</a:t>
+            </a:r>
+            <a:r>
+              <a:rPr lang="zh-CN" altLang="en-US" dirty="0" smtClean="0"/>
+              <a:t>完整</a:t>
+            </a:r>
+            <a:endParaRPr lang="en-US" altLang="zh-CN" dirty="0"/>
+          </a:p>
+          <a:p>
+            <a:pPr lvl="1"/>
+            <a:r>
+              <a:rPr lang="zh-CN" altLang="en-US" dirty="0" smtClean="0"/>
+              <a:t>测试</a:t>
+            </a:r>
+            <a:r>
+              <a:rPr lang="zh-CN" altLang="en-US" dirty="0"/>
+              <a:t>其性能是否优于其他</a:t>
+            </a:r>
+            <a:r>
+              <a:rPr lang="en-US" altLang="zh-CN" dirty="0"/>
+              <a:t>web</a:t>
+            </a:r>
+            <a:r>
+              <a:rPr lang="zh-CN" altLang="en-US" dirty="0" smtClean="0"/>
+              <a:t>服务器</a:t>
+            </a:r>
+            <a:endParaRPr lang="en-US" altLang="zh-CN" dirty="0" smtClean="0"/>
+          </a:p>
+          <a:p>
+            <a:r>
+              <a:rPr lang="zh-CN" altLang="en-US" dirty="0" smtClean="0"/>
+              <a:t>对于</a:t>
+            </a:r>
+            <a:r>
+              <a:rPr lang="en-US" altLang="zh-CN" dirty="0" smtClean="0"/>
+              <a:t>B</a:t>
+            </a:r>
+          </a:p>
+          <a:p>
+            <a:pPr lvl="1"/>
+            <a:r>
+              <a:rPr lang="zh-CN" altLang="en-US" dirty="0"/>
+              <a:t>其是否满足</a:t>
+            </a:r>
+            <a:r>
+              <a:rPr lang="en-US" altLang="zh-CN" dirty="0"/>
+              <a:t>《</a:t>
+            </a:r>
+            <a:r>
+              <a:rPr lang="zh-CN" altLang="en-US" dirty="0"/>
+              <a:t>需求规格说明书</a:t>
+            </a:r>
+            <a:r>
+              <a:rPr lang="en-US" altLang="zh-CN" dirty="0"/>
+              <a:t>》</a:t>
+            </a:r>
+            <a:r>
+              <a:rPr lang="zh-CN" altLang="en-US" dirty="0"/>
+              <a:t>中提到的基本功</a:t>
+            </a:r>
+            <a:r>
+              <a:rPr lang="zh-CN" altLang="en-US" dirty="0" smtClean="0"/>
+              <a:t>能</a:t>
+            </a:r>
+            <a:endParaRPr lang="en-US" altLang="zh-CN" dirty="0" smtClean="0"/>
+          </a:p>
+          <a:p>
+            <a:pPr lvl="1"/>
+            <a:r>
+              <a:rPr lang="zh-CN" altLang="en-US" dirty="0"/>
+              <a:t>配置文件可视化、监控是否完整、稳定、</a:t>
+            </a:r>
+            <a:r>
+              <a:rPr lang="zh-CN" altLang="en-US" dirty="0" smtClean="0"/>
+              <a:t>可用</a:t>
+            </a:r>
+            <a:endParaRPr lang="en-US" altLang="zh-CN" dirty="0"/>
+          </a:p>
+          <a:p>
+            <a:pPr lvl="1"/>
+            <a:r>
+              <a:rPr lang="zh-CN" altLang="en-US" dirty="0" smtClean="0"/>
+              <a:t>对开发人员提</a:t>
+            </a:r>
+            <a:r>
+              <a:rPr lang="en-US" altLang="zh-CN" dirty="0" smtClean="0"/>
+              <a:t>issue</a:t>
+            </a:r>
+            <a:r>
+              <a:rPr lang="zh-CN" altLang="en-US" dirty="0" smtClean="0"/>
+              <a:t>，督促其改</a:t>
+            </a:r>
+            <a:r>
+              <a:rPr lang="en-US" altLang="zh-CN" dirty="0" smtClean="0"/>
+              <a:t>bug</a:t>
+            </a:r>
+            <a:endParaRPr lang="en-US" altLang="zh-CN" dirty="0"/>
+          </a:p>
+        </p:txBody>
+      </p:sp>
+    </p:spTree>
+    <p:extLst>
+      <p:ext uri="{BB962C8B-B14F-4D97-AF65-F5344CB8AC3E}">
+        <p14:creationId xmlns:p14="http://schemas.microsoft.com/office/powerpoint/2010/main" val="1778001942"/>
+      </p:ext>
+    </p:extLst>
+  </p:cSld>
+  <p:clrMapOvr>
+    <a:masterClrMapping/>
+  </p:clrMapOvr>
+  <p:transition spd="slow">
+    <p:push dir="u"/>
+  </p:transition>
+  <p:timing>
+    <p:tnLst>
+      <p:par>
+        <p:cTn id="1" dur="indefinite" restart="never" nodeType="tmRoot">
+          <p:childTnLst>
+            <p:seq concurrent="1" nextAc="seek">
+              <p:cTn id="2" dur="indefinite" nodeType="mainSeq">
+                <p:childTnLst>
+                  <p:par>
+                    <p:cTn id="3" fill="hold">
+                      <p:stCondLst>
+                        <p:cond delay="indefinite"/>
+                      </p:stCondLst>
+                      <p:childTnLst>
+                        <p:par>
+                          <p:cTn id="4" fill="hold">
+                            <p:stCondLst>
+                              <p:cond delay="0"/>
+                            </p:stCondLst>
+                            <p:childTnLst>
+                              <p:par>
+                                <p:cTn id="5" presetID="10" presetClass="entr" presetSubtype="0" fill="hold" grpId="0" nodeType="clickEffect">
+                                  <p:stCondLst>
+                                    <p:cond delay="0"/>
+                                  </p:stCondLst>
+                                  <p:childTnLst>
+                                    <p:set>
+                                      <p:cBhvr>
+                                        <p:cTn id="6" dur="1" fill="hold">
+                                          <p:stCondLst>
+                                            <p:cond delay="0"/>
+                                          </p:stCondLst>
+                                        </p:cTn>
+                                        <p:tgtEl>
+                                          <p:spTgt spid="3">
+                                            <p:txEl>
+                                              <p:pRg st="0" end="0"/>
+                                            </p:txEl>
+                                          </p:spTgt>
+                                        </p:tgtEl>
+                                        <p:attrNameLst>
+                                          <p:attrName>style.visibility</p:attrName>
+                                        </p:attrNameLst>
+                                      </p:cBhvr>
+                                      <p:to>
+                                        <p:strVal val="visible"/>
+                                      </p:to>
+                                    </p:set>
+                                    <p:animEffect transition="in" filter="fade">
+                                      <p:cBhvr>
+                                        <p:cTn id="7" dur="500"/>
+                                        <p:tgtEl>
+                                          <p:spTgt spid="3">
+                                            <p:txEl>
+                                              <p:pRg st="0" end="0"/>
+                                            </p:txEl>
+                                          </p:spTgt>
+                                        </p:tgtEl>
+                                      </p:cBhvr>
+                                    </p:animEffect>
+                                  </p:childTnLst>
+                                </p:cTn>
+                              </p:par>
+                            </p:childTnLst>
+                          </p:cTn>
+                        </p:par>
+                      </p:childTnLst>
+                    </p:cTn>
+                  </p:par>
+                  <p:par>
+                    <p:cTn id="8" fill="hold">
+                      <p:stCondLst>
+                        <p:cond delay="indefinite"/>
+                      </p:stCondLst>
+                      <p:childTnLst>
+                        <p:par>
+                          <p:cTn id="9" fill="hold">
+                            <p:stCondLst>
+                              <p:cond delay="0"/>
+                            </p:stCondLst>
+                            <p:childTnLst>
+                              <p:par>
+                                <p:cTn id="10" presetID="10" presetClass="entr" presetSubtype="0" fill="hold" grpId="0" nodeType="clickEffect">
+                                  <p:stCondLst>
+                                    <p:cond delay="0"/>
+                                  </p:stCondLst>
+                                  <p:childTnLst>
+                                    <p:set>
+                                      <p:cBhvr>
+                                        <p:cTn id="11" dur="1" fill="hold">
+                                          <p:stCondLst>
+                                            <p:cond delay="0"/>
+                                          </p:stCondLst>
+                                        </p:cTn>
+                                        <p:tgtEl>
+                                          <p:spTgt spid="3">
+                                            <p:txEl>
+                                              <p:pRg st="1" end="1"/>
+                                            </p:txEl>
+                                          </p:spTgt>
+                                        </p:tgtEl>
+                                        <p:attrNameLst>
+                                          <p:attrName>style.visibility</p:attrName>
+                                        </p:attrNameLst>
+                                      </p:cBhvr>
+                                      <p:to>
+                                        <p:strVal val="visible"/>
+                                      </p:to>
+                                    </p:set>
+                                    <p:animEffect transition="in" filter="fade">
+                                      <p:cBhvr>
+                                        <p:cTn id="12" dur="500"/>
+                                        <p:tgtEl>
+                                          <p:spTgt spid="3">
+                                            <p:txEl>
+                                              <p:pRg st="1" end="1"/>
+                                            </p:txEl>
+                                          </p:spTgt>
+                                        </p:tgtEl>
+                                      </p:cBhvr>
+                                    </p:animEffect>
+                                  </p:childTnLst>
+                                </p:cTn>
+                              </p:par>
+                            </p:childTnLst>
+                          </p:cTn>
+                        </p:par>
+                      </p:childTnLst>
+                    </p:cTn>
+                  </p:par>
+                  <p:par>
+                    <p:cTn id="13" fill="hold">
+                      <p:stCondLst>
+                        <p:cond delay="indefinite"/>
+                      </p:stCondLst>
+                      <p:childTnLst>
+                        <p:par>
+                          <p:cTn id="14" fill="hold">
+                            <p:stCondLst>
+                              <p:cond delay="0"/>
+                            </p:stCondLst>
+                            <p:childTnLst>
+                              <p:par>
+                                <p:cTn id="15" presetID="10" presetClass="entr" presetSubtype="0" fill="hold" grpId="0" nodeType="clickEffect">
+                                  <p:stCondLst>
+                                    <p:cond delay="0"/>
+                                  </p:stCondLst>
+                                  <p:childTnLst>
+                                    <p:set>
+                                      <p:cBhvr>
+                                        <p:cTn id="16" dur="1" fill="hold">
+                                          <p:stCondLst>
+                                            <p:cond delay="0"/>
+                                          </p:stCondLst>
+                                        </p:cTn>
+                                        <p:tgtEl>
+                                          <p:spTgt spid="3">
+                                            <p:txEl>
+                                              <p:pRg st="2" end="2"/>
+                                            </p:txEl>
+                                          </p:spTgt>
+                                        </p:tgtEl>
+                                        <p:attrNameLst>
+                                          <p:attrName>style.visibility</p:attrName>
+                                        </p:attrNameLst>
+                                      </p:cBhvr>
+                                      <p:to>
+                                        <p:strVal val="visible"/>
+                                      </p:to>
+                                    </p:set>
+                                    <p:animEffect transition="in" filter="fade">
+                                      <p:cBhvr>
+                                        <p:cTn id="17" dur="500"/>
+                                        <p:tgtEl>
+                                          <p:spTgt spid="3">
+                                            <p:txEl>
+                                              <p:pRg st="2" end="2"/>
+                                            </p:txEl>
+                                          </p:spTgt>
+                                        </p:tgtEl>
+                                      </p:cBhvr>
+                                    </p:animEffect>
+                                  </p:childTnLst>
+                                </p:cTn>
+                              </p:par>
+                            </p:childTnLst>
+                          </p:cTn>
+                        </p:par>
+                      </p:childTnLst>
+                    </p:cTn>
+                  </p:par>
+                  <p:par>
+                    <p:cTn id="18" fill="hold">
+                      <p:stCondLst>
+                        <p:cond delay="indefinite"/>
+                      </p:stCondLst>
+                      <p:childTnLst>
+                        <p:par>
+                          <p:cTn id="19" fill="hold">
+                            <p:stCondLst>
+                              <p:cond delay="0"/>
+                            </p:stCondLst>
+                            <p:childTnLst>
+                              <p:par>
+                                <p:cTn id="20" presetID="10" presetClass="entr" presetSubtype="0" fill="hold" grpId="0" nodeType="clickEffect">
+                                  <p:stCondLst>
+                                    <p:cond delay="0"/>
+                                  </p:stCondLst>
+                                  <p:childTnLst>
+                                    <p:set>
+                                      <p:cBhvr>
+                                        <p:cTn id="21" dur="1" fill="hold">
+                                          <p:stCondLst>
+                                            <p:cond delay="0"/>
+                                          </p:stCondLst>
+                                        </p:cTn>
+                                        <p:tgtEl>
+                                          <p:spTgt spid="3">
+                                            <p:txEl>
+                                              <p:pRg st="3" end="3"/>
+                                            </p:txEl>
+                                          </p:spTgt>
+                                        </p:tgtEl>
+                                        <p:attrNameLst>
+                                          <p:attrName>style.visibility</p:attrName>
+                                        </p:attrNameLst>
+                                      </p:cBhvr>
+                                      <p:to>
+                                        <p:strVal val="visible"/>
+                                      </p:to>
+                                    </p:set>
+                                    <p:animEffect transition="in" filter="fade">
+                                      <p:cBhvr>
+                                        <p:cTn id="22" dur="500"/>
+                                        <p:tgtEl>
+                                          <p:spTgt spid="3">
+                                            <p:txEl>
+                                              <p:pRg st="3" end="3"/>
+                                            </p:txEl>
+                                          </p:spTgt>
+                                        </p:tgtEl>
+                                      </p:cBhvr>
+                                    </p:animEffect>
+                                  </p:childTnLst>
+                                </p:cTn>
+                              </p:par>
+                            </p:childTnLst>
+                          </p:cTn>
+                        </p:par>
+                      </p:childTnLst>
+                    </p:cTn>
+                  </p:par>
+                  <p:par>
+                    <p:cTn id="23" fill="hold">
+                      <p:stCondLst>
+                        <p:cond delay="indefinite"/>
+                      </p:stCondLst>
+                      <p:childTnLst>
+                        <p:par>
+                          <p:cTn id="24" fill="hold">
+                            <p:stCondLst>
+                              <p:cond delay="0"/>
+                            </p:stCondLst>
+                            <p:childTnLst>
+                              <p:par>
+                                <p:cTn id="25" presetID="10" presetClass="entr" presetSubtype="0" fill="hold" grpId="0" nodeType="clickEffect">
+                                  <p:stCondLst>
+                                    <p:cond delay="0"/>
+                                  </p:stCondLst>
+                                  <p:childTnLst>
+                                    <p:set>
+                                      <p:cBhvr>
+                                        <p:cTn id="26" dur="1" fill="hold">
+                                          <p:stCondLst>
+                                            <p:cond delay="0"/>
+                                          </p:stCondLst>
+                                        </p:cTn>
+                                        <p:tgtEl>
+                                          <p:spTgt spid="3">
+                                            <p:txEl>
+                                              <p:pRg st="4" end="4"/>
+                                            </p:txEl>
+                                          </p:spTgt>
+                                        </p:tgtEl>
+                                        <p:attrNameLst>
+                                          <p:attrName>style.visibility</p:attrName>
+                                        </p:attrNameLst>
+                                      </p:cBhvr>
+                                      <p:to>
+                                        <p:strVal val="visible"/>
+                                      </p:to>
+                                    </p:set>
+                                    <p:animEffect transition="in" filter="fade">
+                                      <p:cBhvr>
+                                        <p:cTn id="27" dur="500"/>
+                                        <p:tgtEl>
+                                          <p:spTgt spid="3">
+                                            <p:txEl>
+                                              <p:pRg st="4" end="4"/>
+                                            </p:txEl>
+                                          </p:spTgt>
+                                        </p:tgtEl>
+                                      </p:cBhvr>
+                                    </p:animEffect>
+                                  </p:childTnLst>
+                                </p:cTn>
+                              </p:par>
+                            </p:childTnLst>
+                          </p:cTn>
+                        </p:par>
+                      </p:childTnLst>
+                    </p:cTn>
+                  </p:par>
+                  <p:par>
+                    <p:cTn id="28" fill="hold">
+                      <p:stCondLst>
+                        <p:cond delay="indefinite"/>
+                      </p:stCondLst>
+                      <p:childTnLst>
+                        <p:par>
+                          <p:cTn id="29" fill="hold">
+                            <p:stCondLst>
+                              <p:cond delay="0"/>
+                            </p:stCondLst>
+                            <p:childTnLst>
+                              <p:par>
+                                <p:cTn id="30" presetID="10" presetClass="entr" presetSubtype="0" fill="hold" grpId="0" nodeType="clickEffect">
+                                  <p:stCondLst>
+                                    <p:cond delay="0"/>
+                                  </p:stCondLst>
+                                  <p:childTnLst>
+                                    <p:set>
+                                      <p:cBhvr>
+                                        <p:cTn id="31" dur="1" fill="hold">
+                                          <p:stCondLst>
+                                            <p:cond delay="0"/>
+                                          </p:stCondLst>
+                                        </p:cTn>
+                                        <p:tgtEl>
+                                          <p:spTgt spid="3">
+                                            <p:txEl>
+                                              <p:pRg st="5" end="5"/>
+                                            </p:txEl>
+                                          </p:spTgt>
+                                        </p:tgtEl>
+                                        <p:attrNameLst>
+                                          <p:attrName>style.visibility</p:attrName>
+                                        </p:attrNameLst>
+                                      </p:cBhvr>
+                                      <p:to>
+                                        <p:strVal val="visible"/>
+                                      </p:to>
+                                    </p:set>
+                                    <p:animEffect transition="in" filter="fade">
+                                      <p:cBhvr>
+                                        <p:cTn id="32" dur="500"/>
+                                        <p:tgtEl>
+                                          <p:spTgt spid="3">
+                                            <p:txEl>
+                                              <p:pRg st="5" end="5"/>
+                                            </p:txEl>
+                                          </p:spTgt>
+                                        </p:tgtEl>
+                                      </p:cBhvr>
+                                    </p:animEffect>
+                                  </p:childTnLst>
+                                </p:cTn>
+                              </p:par>
+                            </p:childTnLst>
+                          </p:cTn>
+                        </p:par>
+                      </p:childTnLst>
+                    </p:cTn>
+                  </p:par>
+                  <p:par>
+                    <p:cTn id="33" fill="hold">
+                      <p:stCondLst>
+                        <p:cond delay="indefinite"/>
+                      </p:stCondLst>
+                      <p:childTnLst>
+                        <p:par>
+                          <p:cTn id="34" fill="hold">
+                            <p:stCondLst>
+                              <p:cond delay="0"/>
+                            </p:stCondLst>
+                            <p:childTnLst>
+                              <p:par>
+                                <p:cTn id="35" presetID="10" presetClass="entr" presetSubtype="0" fill="hold" grpId="0" nodeType="clickEffect">
+                                  <p:stCondLst>
+                                    <p:cond delay="0"/>
+                                  </p:stCondLst>
+                                  <p:childTnLst>
+                                    <p:set>
+                                      <p:cBhvr>
+                                        <p:cTn id="36" dur="1" fill="hold">
+                                          <p:stCondLst>
+                                            <p:cond delay="0"/>
+                                          </p:stCondLst>
+                                        </p:cTn>
+                                        <p:tgtEl>
+                                          <p:spTgt spid="3">
+                                            <p:txEl>
+                                              <p:pRg st="6" end="6"/>
+                                            </p:txEl>
+                                          </p:spTgt>
+                                        </p:tgtEl>
+                                        <p:attrNameLst>
+                                          <p:attrName>style.visibility</p:attrName>
+                                        </p:attrNameLst>
+                                      </p:cBhvr>
+                                      <p:to>
+                                        <p:strVal val="visible"/>
+                                      </p:to>
+                                    </p:set>
+                                    <p:animEffect transition="in" filter="fade">
+                                      <p:cBhvr>
+                                        <p:cTn id="37" dur="500"/>
+                                        <p:tgtEl>
+                                          <p:spTgt spid="3">
+                                            <p:txEl>
+                                              <p:pRg st="6" end="6"/>
+                                            </p:txEl>
+                                          </p:spTgt>
+                                        </p:tgtEl>
+                                      </p:cBhvr>
+                                    </p:animEffect>
+                                  </p:childTnLst>
+                                </p:cTn>
+                              </p:par>
+                            </p:childTnLst>
+                          </p:cTn>
+                        </p:par>
+                      </p:childTnLst>
+                    </p:cTn>
+                  </p:par>
+                  <p:par>
+                    <p:cTn id="38" fill="hold">
+                      <p:stCondLst>
+                        <p:cond delay="indefinite"/>
+                      </p:stCondLst>
+                      <p:childTnLst>
+                        <p:par>
+                          <p:cTn id="39" fill="hold">
+                            <p:stCondLst>
+                              <p:cond delay="0"/>
+                            </p:stCondLst>
+                            <p:childTnLst>
+                              <p:par>
+                                <p:cTn id="40" presetID="10" presetClass="entr" presetSubtype="0" fill="hold" grpId="0" nodeType="clickEffect">
+                                  <p:stCondLst>
+                                    <p:cond delay="0"/>
+                                  </p:stCondLst>
+                                  <p:childTnLst>
+                                    <p:set>
+                                      <p:cBhvr>
+                                        <p:cTn id="41" dur="1" fill="hold">
+                                          <p:stCondLst>
+                                            <p:cond delay="0"/>
+                                          </p:stCondLst>
+                                        </p:cTn>
+                                        <p:tgtEl>
+                                          <p:spTgt spid="3">
+                                            <p:txEl>
+                                              <p:pRg st="7" end="7"/>
+                                            </p:txEl>
+                                          </p:spTgt>
+                                        </p:tgtEl>
+                                        <p:attrNameLst>
+                                          <p:attrName>style.visibility</p:attrName>
+                                        </p:attrNameLst>
+                                      </p:cBhvr>
+                                      <p:to>
+                                        <p:strVal val="visible"/>
+                                      </p:to>
+                                    </p:set>
+                                    <p:animEffect transition="in" filter="fade">
+                                      <p:cBhvr>
+                                        <p:cTn id="42" dur="500"/>
+                                        <p:tgtEl>
+                                          <p:spTgt spid="3">
+                                            <p:txEl>
+                                              <p:pRg st="7" end="7"/>
+                                            </p:txEl>
+                                          </p:spTgt>
+                                        </p:tgtEl>
+                                      </p:cBhvr>
+                                    </p:animEffect>
+                                  </p:childTnLst>
+                                </p:cTn>
+                              </p:par>
+                            </p:childTnLst>
+                          </p:cTn>
+                        </p:par>
+                      </p:childTnLst>
+                    </p:cTn>
+                  </p:par>
+                  <p:par>
+                    <p:cTn id="43" fill="hold">
+                      <p:stCondLst>
+                        <p:cond delay="indefinite"/>
+                      </p:stCondLst>
+                      <p:childTnLst>
+                        <p:par>
+                          <p:cTn id="44" fill="hold">
+                            <p:stCondLst>
+                              <p:cond delay="0"/>
+                            </p:stCondLst>
+                            <p:childTnLst>
+                              <p:par>
+                                <p:cTn id="45" presetID="10" presetClass="entr" presetSubtype="0" fill="hold" grpId="0" nodeType="clickEffect">
+                                  <p:stCondLst>
+                                    <p:cond delay="0"/>
+                                  </p:stCondLst>
+                                  <p:childTnLst>
+                                    <p:set>
+                                      <p:cBhvr>
+                                        <p:cTn id="46" dur="1" fill="hold">
+                                          <p:stCondLst>
+                                            <p:cond delay="0"/>
+                                          </p:stCondLst>
+                                        </p:cTn>
+                                        <p:tgtEl>
+                                          <p:spTgt spid="3">
+                                            <p:txEl>
+                                              <p:pRg st="8" end="8"/>
+                                            </p:txEl>
+                                          </p:spTgt>
+                                        </p:tgtEl>
+                                        <p:attrNameLst>
+                                          <p:attrName>style.visibility</p:attrName>
+                                        </p:attrNameLst>
+                                      </p:cBhvr>
+                                      <p:to>
+                                        <p:strVal val="visible"/>
+                                      </p:to>
+                                    </p:set>
+                                    <p:animEffect transition="in" filter="fade">
+                                      <p:cBhvr>
+                                        <p:cTn id="47" dur="500"/>
+                                        <p:tgtEl>
+                                          <p:spTgt spid="3">
+                                            <p:txEl>
+                                              <p:pRg st="8" end="8"/>
+                                            </p:txEl>
+                                          </p:spTgt>
+                                        </p:tgtEl>
+                                      </p:cBhvr>
+                                    </p:animEffect>
+                                  </p:childTnLst>
+                                </p:cTn>
+                              </p:par>
+                            </p:childTnLst>
+                          </p:cTn>
+                        </p:par>
+                      </p:childTnLst>
+                    </p:cTn>
+                  </p:par>
+                  <p:par>
+                    <p:cTn id="48" fill="hold">
+                      <p:stCondLst>
+                        <p:cond delay="indefinite"/>
+                      </p:stCondLst>
+                      <p:childTnLst>
+                        <p:par>
+                          <p:cTn id="49" fill="hold">
+                            <p:stCondLst>
+                              <p:cond delay="0"/>
+                            </p:stCondLst>
+                            <p:childTnLst>
+                              <p:par>
+                                <p:cTn id="50" presetID="10" presetClass="entr" presetSubtype="0" fill="hold" grpId="0" nodeType="clickEffect">
+                                  <p:stCondLst>
+                                    <p:cond delay="0"/>
+                                  </p:stCondLst>
+                                  <p:childTnLst>
+                                    <p:set>
+                                      <p:cBhvr>
+                                        <p:cTn id="51" dur="1" fill="hold">
+                                          <p:stCondLst>
+                                            <p:cond delay="0"/>
+                                          </p:stCondLst>
+                                        </p:cTn>
+                                        <p:tgtEl>
+                                          <p:spTgt spid="3">
+                                            <p:txEl>
+                                              <p:pRg st="9" end="9"/>
+                                            </p:txEl>
+                                          </p:spTgt>
+                                        </p:tgtEl>
+                                        <p:attrNameLst>
+                                          <p:attrName>style.visibility</p:attrName>
+                                        </p:attrNameLst>
+                                      </p:cBhvr>
+                                      <p:to>
+                                        <p:strVal val="visible"/>
+                                      </p:to>
+                                    </p:set>
+                                    <p:animEffect transition="in" filter="fade">
+                                      <p:cBhvr>
+                                        <p:cTn id="52" dur="500"/>
+                                        <p:tgtEl>
+                                          <p:spTgt spid="3">
+                                            <p:txEl>
+                                              <p:pRg st="9" end="9"/>
+                                            </p:txEl>
+                                          </p:spTgt>
+                                        </p:tgtEl>
+                                      </p:cBhvr>
+                                    </p:animEffect>
+                                  </p:childTnLst>
+                                </p:cTn>
+                              </p:par>
+                            </p:childTnLst>
+                          </p:cTn>
+                        </p:par>
+                      </p:childTnLst>
+                    </p:cTn>
+                  </p:par>
+                </p:childTnLst>
+              </p:cTn>
+              <p:prevCondLst>
+                <p:cond evt="onPrev" delay="0">
+                  <p:tgtEl>
+                    <p:sldTgt/>
+                  </p:tgtEl>
+                </p:cond>
+              </p:prevCondLst>
+              <p:nextCondLst>
+                <p:cond evt="onNext" delay="0">
+                  <p:tgtEl>
+                    <p:sldTgt/>
+                  </p:tgtEl>
+                </p:cond>
+              </p:nextCondLst>
+            </p:seq>
+          </p:childTnLst>
+        </p:cTn>
+      </p:par>
+    </p:tnLst>
+    <p:bldLst>
+      <p:bldP spid="3" grpId="0" uiExpand="1" build="p"/>
+    </p:bldLst>
+  </p:timing>
+</p:sld>
+</file>
+
+<file path=ppt/slides/slide5.xml><?xml version="1.0" encoding="utf-8"?>
+<p:sld xmlns:a="http://schemas.openxmlformats.org/drawingml/2006/main" xmlns:r="http://schemas.openxmlformats.org/officeDocument/2006/relationships" xmlns:p="http://schemas.openxmlformats.org/presentationml/2006/main">
+  <p:cSld>
+    <p:spTree>
+      <p:nvGrpSpPr>
+        <p:cNvPr id="1" name=""/>
+        <p:cNvGrpSpPr/>
+        <p:nvPr/>
+      </p:nvGrpSpPr>
+      <p:grpSpPr>
+        <a:xfrm>
+          <a:off x="0" y="0"/>
+          <a:ext cx="0" cy="0"/>
+          <a:chOff x="0" y="0"/>
+          <a:chExt cx="0" cy="0"/>
+        </a:xfrm>
+      </p:grpSpPr>
+      <p:sp>
+        <p:nvSpPr>
+          <p:cNvPr id="2" name="标题 1"/>
+          <p:cNvSpPr>
+            <a:spLocks noGrp="1"/>
+          </p:cNvSpPr>
+          <p:nvPr>
+            <p:ph type="title"/>
+          </p:nvPr>
+        </p:nvSpPr>
+        <p:spPr/>
+        <p:txBody>
+          <a:bodyPr/>
+          <a:lstStyle/>
+          <a:p>
+            <a:r>
+              <a:rPr lang="zh-CN" altLang="en-US" dirty="0" smtClean="0"/>
+              <a:t>测试类别</a:t>
+            </a:r>
+            <a:endParaRPr lang="zh-CN" altLang="en-US" dirty="0"/>
+          </a:p>
+        </p:txBody>
+      </p:sp>
+      <p:sp>
+        <p:nvSpPr>
+          <p:cNvPr id="3" name="内容占位符 2"/>
+          <p:cNvSpPr>
+            <a:spLocks noGrp="1"/>
+          </p:cNvSpPr>
+          <p:nvPr>
+            <p:ph idx="1"/>
+          </p:nvPr>
+        </p:nvSpPr>
+        <p:spPr>
+          <a:xfrm>
+            <a:off x="323528" y="1340768"/>
+            <a:ext cx="8496944" cy="5256584"/>
+          </a:xfrm>
+        </p:spPr>
+        <p:txBody>
+          <a:bodyPr>
+            <a:normAutofit lnSpcReduction="10000"/>
+          </a:bodyPr>
+          <a:lstStyle/>
+          <a:p>
+            <a:r>
+              <a:rPr lang="zh-CN" altLang="en-US" dirty="0" smtClean="0"/>
+              <a:t>安装测试</a:t>
+            </a:r>
+            <a:endParaRPr lang="en-US" altLang="zh-CN" dirty="0" smtClean="0"/>
+          </a:p>
+          <a:p>
+            <a:pPr lvl="1"/>
+            <a:r>
+              <a:rPr lang="zh-CN" altLang="en-US" dirty="0"/>
+              <a:t>跨</a:t>
+            </a:r>
+            <a:r>
+              <a:rPr lang="zh-CN" altLang="en-US" dirty="0" smtClean="0"/>
+              <a:t>平台安装</a:t>
+            </a:r>
+            <a:endParaRPr lang="en-US" altLang="zh-CN" dirty="0" smtClean="0"/>
+          </a:p>
+          <a:p>
+            <a:r>
+              <a:rPr lang="zh-CN" altLang="en-US" dirty="0" smtClean="0"/>
+              <a:t>功能测试</a:t>
+            </a:r>
+            <a:endParaRPr lang="en-US" altLang="zh-CN" dirty="0" smtClean="0"/>
+          </a:p>
+          <a:p>
+            <a:pPr lvl="1"/>
+            <a:r>
+              <a:rPr lang="zh-CN" altLang="en-US" dirty="0" smtClean="0"/>
+              <a:t>静态文件测试</a:t>
+            </a:r>
+            <a:endParaRPr lang="en-US" altLang="zh-CN" dirty="0" smtClean="0"/>
+          </a:p>
+          <a:p>
+            <a:pPr lvl="1"/>
+            <a:r>
+              <a:rPr lang="zh-CN" altLang="en-US" dirty="0" smtClean="0"/>
+              <a:t>动态网页测试</a:t>
+            </a:r>
+            <a:endParaRPr lang="en-US" altLang="zh-CN" dirty="0" smtClean="0"/>
+          </a:p>
+          <a:p>
+            <a:pPr lvl="1"/>
+            <a:r>
+              <a:rPr lang="zh-CN" altLang="en-US" dirty="0" smtClean="0"/>
+              <a:t>配置测试</a:t>
+            </a:r>
+            <a:endParaRPr lang="en-US" altLang="zh-CN" dirty="0" smtClean="0"/>
+          </a:p>
+          <a:p>
+            <a:pPr lvl="1"/>
+            <a:r>
+              <a:rPr lang="zh-CN" altLang="en-US" dirty="0" smtClean="0"/>
+              <a:t>可视化模块测试（</a:t>
+            </a:r>
+            <a:r>
+              <a:rPr lang="en-US" altLang="zh-CN" dirty="0" smtClean="0">
+                <a:solidFill>
+                  <a:srgbClr val="FF0000"/>
+                </a:solidFill>
+              </a:rPr>
+              <a:t>new</a:t>
+            </a:r>
+            <a:r>
+              <a:rPr lang="zh-CN" altLang="en-US" dirty="0" smtClean="0"/>
+              <a:t>）</a:t>
+            </a:r>
+            <a:endParaRPr lang="en-US" altLang="zh-CN" dirty="0" smtClean="0"/>
+          </a:p>
+          <a:p>
+            <a:r>
+              <a:rPr lang="zh-CN" altLang="en-US" dirty="0" smtClean="0"/>
+              <a:t>非功能测试</a:t>
+            </a:r>
+            <a:endParaRPr lang="en-US" altLang="zh-CN" dirty="0" smtClean="0"/>
+          </a:p>
+          <a:p>
+            <a:pPr lvl="1"/>
+            <a:r>
+              <a:rPr lang="zh-CN" altLang="en-US" dirty="0" smtClean="0"/>
+              <a:t>可靠性测试</a:t>
+            </a:r>
+            <a:endParaRPr lang="en-US" altLang="zh-CN" dirty="0" smtClean="0"/>
+          </a:p>
+          <a:p>
+            <a:pPr lvl="1"/>
+            <a:r>
+              <a:rPr lang="zh-CN" altLang="en-US" dirty="0" smtClean="0"/>
+              <a:t>性能测试</a:t>
+            </a:r>
+            <a:endParaRPr lang="zh-CN" altLang="en-US" dirty="0"/>
+          </a:p>
+        </p:txBody>
+      </p:sp>
+    </p:spTree>
+    <p:extLst>
+      <p:ext uri="{BB962C8B-B14F-4D97-AF65-F5344CB8AC3E}">
+        <p14:creationId xmlns:p14="http://schemas.microsoft.com/office/powerpoint/2010/main" val="3703226362"/>
+      </p:ext>
+    </p:extLst>
+  </p:cSld>
+  <p:clrMapOvr>
+    <a:masterClrMapping/>
+  </p:clrMapOvr>
+  <p:transition spd="slow">
+    <p:push dir="u"/>
+  </p:transition>
+  <p:timing>
+    <p:tnLst>
+      <p:par>
+        <p:cTn id="1" dur="indefinite" restart="never" nodeType="tmRoot">
+          <p:childTnLst>
+            <p:seq concurrent="1" nextAc="seek">
+              <p:cTn id="2" dur="indefinite" nodeType="mainSeq">
+                <p:childTnLst>
+                  <p:par>
+                    <p:cTn id="3" fill="hold">
+                      <p:stCondLst>
+                        <p:cond delay="indefinite"/>
+                      </p:stCondLst>
+                      <p:childTnLst>
+                        <p:par>
+                          <p:cTn id="4" fill="hold">
+                            <p:stCondLst>
+                              <p:cond delay="0"/>
+                            </p:stCondLst>
+                            <p:childTnLst>
+                              <p:par>
+                                <p:cTn id="5" presetID="10" presetClass="entr" presetSubtype="0" fill="hold" grpId="0" nodeType="clickEffect">
+                                  <p:stCondLst>
+                                    <p:cond delay="0"/>
+                                  </p:stCondLst>
+                                  <p:childTnLst>
+                                    <p:set>
+                                      <p:cBhvr>
+                                        <p:cTn id="6" dur="1" fill="hold">
+                                          <p:stCondLst>
+                                            <p:cond delay="0"/>
+                                          </p:stCondLst>
+                                        </p:cTn>
+                                        <p:tgtEl>
+                                          <p:spTgt spid="3">
+                                            <p:txEl>
+                                              <p:pRg st="0" end="0"/>
+                                            </p:txEl>
+                                          </p:spTgt>
+                                        </p:tgtEl>
+                                        <p:attrNameLst>
+                                          <p:attrName>style.visibility</p:attrName>
+                                        </p:attrNameLst>
+                                      </p:cBhvr>
+                                      <p:to>
+                                        <p:strVal val="visible"/>
+                                      </p:to>
+                                    </p:set>
+                                    <p:animEffect transition="in" filter="fade">
+                                      <p:cBhvr>
+                                        <p:cTn id="7" dur="500"/>
+                                        <p:tgtEl>
+                                          <p:spTgt spid="3">
+                                            <p:txEl>
+                                              <p:pRg st="0" end="0"/>
+                                            </p:txEl>
+                                          </p:spTgt>
+                                        </p:tgtEl>
+                                      </p:cBhvr>
+                                    </p:animEffect>
+                                  </p:childTnLst>
+                                </p:cTn>
+                              </p:par>
+                            </p:childTnLst>
+                          </p:cTn>
+                        </p:par>
+                      </p:childTnLst>
+                    </p:cTn>
+                  </p:par>
+                  <p:par>
+                    <p:cTn id="8" fill="hold">
+                      <p:stCondLst>
+                        <p:cond delay="indefinite"/>
+                      </p:stCondLst>
+                      <p:childTnLst>
+                        <p:par>
+                          <p:cTn id="9" fill="hold">
+                            <p:stCondLst>
+                              <p:cond delay="0"/>
+                            </p:stCondLst>
+                            <p:childTnLst>
+                              <p:par>
+                                <p:cTn id="10" presetID="10" presetClass="entr" presetSubtype="0" fill="hold" grpId="0" nodeType="clickEffect">
+                                  <p:stCondLst>
+                                    <p:cond delay="0"/>
+                                  </p:stCondLst>
+                                  <p:childTnLst>
+                                    <p:set>
+                                      <p:cBhvr>
+                                        <p:cTn id="11" dur="1" fill="hold">
+                                          <p:stCondLst>
+                                            <p:cond delay="0"/>
+                                          </p:stCondLst>
+                                        </p:cTn>
+                                        <p:tgtEl>
+                                          <p:spTgt spid="3">
+                                            <p:txEl>
+                                              <p:pRg st="1" end="1"/>
+                                            </p:txEl>
+                                          </p:spTgt>
+                                        </p:tgtEl>
+                                        <p:attrNameLst>
+                                          <p:attrName>style.visibility</p:attrName>
+                                        </p:attrNameLst>
+                                      </p:cBhvr>
+                                      <p:to>
+                                        <p:strVal val="visible"/>
+                                      </p:to>
+                                    </p:set>
+                                    <p:animEffect transition="in" filter="fade">
+                                      <p:cBhvr>
+                                        <p:cTn id="12" dur="500"/>
+                                        <p:tgtEl>
+                                          <p:spTgt spid="3">
+                                            <p:txEl>
+                                              <p:pRg st="1" end="1"/>
+                                            </p:txEl>
+                                          </p:spTgt>
+                                        </p:tgtEl>
+                                      </p:cBhvr>
+                                    </p:animEffect>
+                                  </p:childTnLst>
+                                </p:cTn>
+                              </p:par>
+                            </p:childTnLst>
+                          </p:cTn>
+                        </p:par>
+                      </p:childTnLst>
+                    </p:cTn>
+                  </p:par>
+                  <p:par>
+                    <p:cTn id="13" fill="hold">
+                      <p:stCondLst>
+                        <p:cond delay="indefinite"/>
+                      </p:stCondLst>
+                      <p:childTnLst>
+                        <p:par>
+                          <p:cTn id="14" fill="hold">
+                            <p:stCondLst>
+                              <p:cond delay="0"/>
+                            </p:stCondLst>
+                            <p:childTnLst>
+                              <p:par>
+                                <p:cTn id="15" presetID="10" presetClass="entr" presetSubtype="0" fill="hold" grpId="0" nodeType="clickEffect">
+                                  <p:stCondLst>
+                                    <p:cond delay="0"/>
+                                  </p:stCondLst>
+                                  <p:childTnLst>
+                                    <p:set>
+                                      <p:cBhvr>
+                                        <p:cTn id="16" dur="1" fill="hold">
+                                          <p:stCondLst>
+                                            <p:cond delay="0"/>
+                                          </p:stCondLst>
+                                        </p:cTn>
+                                        <p:tgtEl>
+                                          <p:spTgt spid="3">
+                                            <p:txEl>
+                                              <p:pRg st="2" end="2"/>
+                                            </p:txEl>
+                                          </p:spTgt>
+                                        </p:tgtEl>
+                                        <p:attrNameLst>
+                                          <p:attrName>style.visibility</p:attrName>
+                                        </p:attrNameLst>
+                                      </p:cBhvr>
+                                      <p:to>
+                                        <p:strVal val="visible"/>
+                                      </p:to>
+                                    </p:set>
+                                    <p:animEffect transition="in" filter="fade">
+                                      <p:cBhvr>
+                                        <p:cTn id="17" dur="500"/>
+                                        <p:tgtEl>
+                                          <p:spTgt spid="3">
+                                            <p:txEl>
+                                              <p:pRg st="2" end="2"/>
+                                            </p:txEl>
+                                          </p:spTgt>
+                                        </p:tgtEl>
+                                      </p:cBhvr>
+                                    </p:animEffect>
+                                  </p:childTnLst>
+                                </p:cTn>
+                              </p:par>
+                            </p:childTnLst>
+                          </p:cTn>
+                        </p:par>
+                      </p:childTnLst>
+                    </p:cTn>
+                  </p:par>
+                  <p:par>
+                    <p:cTn id="18" fill="hold">
+                      <p:stCondLst>
+                        <p:cond delay="indefinite"/>
+                      </p:stCondLst>
+                      <p:childTnLst>
+                        <p:par>
+                          <p:cTn id="19" fill="hold">
+                            <p:stCondLst>
+                              <p:cond delay="0"/>
+                            </p:stCondLst>
+                            <p:childTnLst>
+                              <p:par>
+                                <p:cTn id="20" presetID="10" presetClass="entr" presetSubtype="0" fill="hold" grpId="0" nodeType="clickEffect">
+                                  <p:stCondLst>
+                                    <p:cond delay="0"/>
+                                  </p:stCondLst>
+                                  <p:childTnLst>
+                                    <p:set>
+                                      <p:cBhvr>
+                                        <p:cTn id="21" dur="1" fill="hold">
+                                          <p:stCondLst>
+                                            <p:cond delay="0"/>
+                                          </p:stCondLst>
+                                        </p:cTn>
+                                        <p:tgtEl>
+                                          <p:spTgt spid="3">
+                                            <p:txEl>
+                                              <p:pRg st="3" end="3"/>
+                                            </p:txEl>
+                                          </p:spTgt>
+                                        </p:tgtEl>
+                                        <p:attrNameLst>
+                                          <p:attrName>style.visibility</p:attrName>
+                                        </p:attrNameLst>
+                                      </p:cBhvr>
+                                      <p:to>
+                                        <p:strVal val="visible"/>
+                                      </p:to>
+                                    </p:set>
+                                    <p:animEffect transition="in" filter="fade">
+                                      <p:cBhvr>
+                                        <p:cTn id="22" dur="500"/>
+                                        <p:tgtEl>
+                                          <p:spTgt spid="3">
+                                            <p:txEl>
+                                              <p:pRg st="3" end="3"/>
+                                            </p:txEl>
+                                          </p:spTgt>
+                                        </p:tgtEl>
+                                      </p:cBhvr>
+                                    </p:animEffect>
+                                  </p:childTnLst>
+                                </p:cTn>
+                              </p:par>
+                            </p:childTnLst>
+                          </p:cTn>
+                        </p:par>
+                      </p:childTnLst>
+                    </p:cTn>
+                  </p:par>
+                  <p:par>
+                    <p:cTn id="23" fill="hold">
+                      <p:stCondLst>
+                        <p:cond delay="indefinite"/>
+                      </p:stCondLst>
+                      <p:childTnLst>
+                        <p:par>
+                          <p:cTn id="24" fill="hold">
+                            <p:stCondLst>
+                              <p:cond delay="0"/>
+                            </p:stCondLst>
+                            <p:childTnLst>
+                              <p:par>
+                                <p:cTn id="25" presetID="10" presetClass="entr" presetSubtype="0" fill="hold" grpId="0" nodeType="clickEffect">
+                                  <p:stCondLst>
+                                    <p:cond delay="0"/>
+                                  </p:stCondLst>
+                                  <p:childTnLst>
+                                    <p:set>
+                                      <p:cBhvr>
+                                        <p:cTn id="26" dur="1" fill="hold">
+                                          <p:stCondLst>
+                                            <p:cond delay="0"/>
+                                          </p:stCondLst>
+                                        </p:cTn>
+                                        <p:tgtEl>
+                                          <p:spTgt spid="3">
+                                            <p:txEl>
+                                              <p:pRg st="4" end="4"/>
+                                            </p:txEl>
+                                          </p:spTgt>
+                                        </p:tgtEl>
+                                        <p:attrNameLst>
+                                          <p:attrName>style.visibility</p:attrName>
+                                        </p:attrNameLst>
+                                      </p:cBhvr>
+                                      <p:to>
+                                        <p:strVal val="visible"/>
+                                      </p:to>
+                                    </p:set>
+                                    <p:animEffect transition="in" filter="fade">
+                                      <p:cBhvr>
+                                        <p:cTn id="27" dur="500"/>
+                                        <p:tgtEl>
+                                          <p:spTgt spid="3">
+                                            <p:txEl>
+                                              <p:pRg st="4" end="4"/>
+                                            </p:txEl>
+                                          </p:spTgt>
+                                        </p:tgtEl>
+                                      </p:cBhvr>
+                                    </p:animEffect>
+                                  </p:childTnLst>
+                                </p:cTn>
+                              </p:par>
+                            </p:childTnLst>
+                          </p:cTn>
+                        </p:par>
+                      </p:childTnLst>
+                    </p:cTn>
+                  </p:par>
+                  <p:par>
+                    <p:cTn id="28" fill="hold">
+                      <p:stCondLst>
+                        <p:cond delay="indefinite"/>
+                      </p:stCondLst>
+                      <p:childTnLst>
+                        <p:par>
+                          <p:cTn id="29" fill="hold">
+                            <p:stCondLst>
+                              <p:cond delay="0"/>
+                            </p:stCondLst>
+                            <p:childTnLst>
+                              <p:par>
+                                <p:cTn id="30" presetID="10" presetClass="entr" presetSubtype="0" fill="hold" grpId="0" nodeType="clickEffect">
+                                  <p:stCondLst>
+                                    <p:cond delay="0"/>
+                                  </p:stCondLst>
+                                  <p:childTnLst>
+                                    <p:set>
+                                      <p:cBhvr>
+                                        <p:cTn id="31" dur="1" fill="hold">
+                                          <p:stCondLst>
+                                            <p:cond delay="0"/>
+                                          </p:stCondLst>
+                                        </p:cTn>
+                                        <p:tgtEl>
+                                          <p:spTgt spid="3">
+                                            <p:txEl>
+                                              <p:pRg st="5" end="5"/>
+                                            </p:txEl>
+                                          </p:spTgt>
+                                        </p:tgtEl>
+                                        <p:attrNameLst>
+                                          <p:attrName>style.visibility</p:attrName>
+                                        </p:attrNameLst>
+                                      </p:cBhvr>
+                                      <p:to>
+                                        <p:strVal val="visible"/>
+                                      </p:to>
+                                    </p:set>
+                                    <p:animEffect transition="in" filter="fade">
+                                      <p:cBhvr>
+                                        <p:cTn id="32" dur="500"/>
+                                        <p:tgtEl>
+                                          <p:spTgt spid="3">
+                                            <p:txEl>
+                                              <p:pRg st="5" end="5"/>
+                                            </p:txEl>
+                                          </p:spTgt>
+                                        </p:tgtEl>
+                                      </p:cBhvr>
+                                    </p:animEffect>
+                                  </p:childTnLst>
+                                </p:cTn>
+                              </p:par>
+                            </p:childTnLst>
+                          </p:cTn>
+                        </p:par>
+                      </p:childTnLst>
+                    </p:cTn>
+                  </p:par>
+                  <p:par>
+                    <p:cTn id="33" fill="hold">
+                      <p:stCondLst>
+                        <p:cond delay="indefinite"/>
+                      </p:stCondLst>
+                      <p:childTnLst>
+                        <p:par>
+                          <p:cTn id="34" fill="hold">
+                            <p:stCondLst>
+                              <p:cond delay="0"/>
+                            </p:stCondLst>
+                            <p:childTnLst>
+                              <p:par>
+                                <p:cTn id="35" presetID="10" presetClass="entr" presetSubtype="0" fill="hold" grpId="0" nodeType="clickEffect">
+                                  <p:stCondLst>
+                                    <p:cond delay="0"/>
+                                  </p:stCondLst>
+                                  <p:childTnLst>
+                                    <p:set>
+                                      <p:cBhvr>
+                                        <p:cTn id="36" dur="1" fill="hold">
+                                          <p:stCondLst>
+                                            <p:cond delay="0"/>
+                                          </p:stCondLst>
+                                        </p:cTn>
+                                        <p:tgtEl>
+                                          <p:spTgt spid="3">
+                                            <p:txEl>
+                                              <p:pRg st="6" end="6"/>
+                                            </p:txEl>
+                                          </p:spTgt>
+                                        </p:tgtEl>
+                                        <p:attrNameLst>
+                                          <p:attrName>style.visibility</p:attrName>
+                                        </p:attrNameLst>
+                                      </p:cBhvr>
+                                      <p:to>
+                                        <p:strVal val="visible"/>
+                                      </p:to>
+                                    </p:set>
+                                    <p:animEffect transition="in" filter="fade">
+                                      <p:cBhvr>
+                                        <p:cTn id="37" dur="500"/>
+                                        <p:tgtEl>
+                                          <p:spTgt spid="3">
+                                            <p:txEl>
+                                              <p:pRg st="6" end="6"/>
+                                            </p:txEl>
+                                          </p:spTgt>
+                                        </p:tgtEl>
+                                      </p:cBhvr>
+                                    </p:animEffect>
+                                  </p:childTnLst>
+                                </p:cTn>
+                              </p:par>
+                            </p:childTnLst>
+                          </p:cTn>
+                        </p:par>
+                      </p:childTnLst>
+                    </p:cTn>
+                  </p:par>
+                  <p:par>
+                    <p:cTn id="38" fill="hold">
+                      <p:stCondLst>
+                        <p:cond delay="indefinite"/>
+                      </p:stCondLst>
+                      <p:childTnLst>
+                        <p:par>
+                          <p:cTn id="39" fill="hold">
+                            <p:stCondLst>
+                              <p:cond delay="0"/>
+                            </p:stCondLst>
+                            <p:childTnLst>
+                              <p:par>
+                                <p:cTn id="40" presetID="10" presetClass="entr" presetSubtype="0" fill="hold" grpId="0" nodeType="clickEffect">
+                                  <p:stCondLst>
+                                    <p:cond delay="0"/>
+                                  </p:stCondLst>
+                                  <p:childTnLst>
+                                    <p:set>
+                                      <p:cBhvr>
+                                        <p:cTn id="41" dur="1" fill="hold">
+                                          <p:stCondLst>
+                                            <p:cond delay="0"/>
+                                          </p:stCondLst>
+                                        </p:cTn>
+                                        <p:tgtEl>
+                                          <p:spTgt spid="3">
+                                            <p:txEl>
+                                              <p:pRg st="7" end="7"/>
+                                            </p:txEl>
+                                          </p:spTgt>
+                                        </p:tgtEl>
+                                        <p:attrNameLst>
+                                          <p:attrName>style.visibility</p:attrName>
+                                        </p:attrNameLst>
+                                      </p:cBhvr>
+                                      <p:to>
+                                        <p:strVal val="visible"/>
+                                      </p:to>
+                                    </p:set>
+                                    <p:animEffect transition="in" filter="fade">
+                                      <p:cBhvr>
+                                        <p:cTn id="42" dur="500"/>
+                                        <p:tgtEl>
+                                          <p:spTgt spid="3">
+                                            <p:txEl>
+                                              <p:pRg st="7" end="7"/>
+                                            </p:txEl>
+                                          </p:spTgt>
+                                        </p:tgtEl>
+                                      </p:cBhvr>
+                                    </p:animEffect>
+                                  </p:childTnLst>
+                                </p:cTn>
+                              </p:par>
+                            </p:childTnLst>
+                          </p:cTn>
+                        </p:par>
+                      </p:childTnLst>
+                    </p:cTn>
+                  </p:par>
+                  <p:par>
+                    <p:cTn id="43" fill="hold">
+                      <p:stCondLst>
+                        <p:cond delay="indefinite"/>
+                      </p:stCondLst>
+                      <p:childTnLst>
+                        <p:par>
+                          <p:cTn id="44" fill="hold">
+                            <p:stCondLst>
+                              <p:cond delay="0"/>
+                            </p:stCondLst>
+                            <p:childTnLst>
+                              <p:par>
+                                <p:cTn id="45" presetID="10" presetClass="entr" presetSubtype="0" fill="hold" grpId="0" nodeType="clickEffect">
+                                  <p:stCondLst>
+                                    <p:cond delay="0"/>
+                                  </p:stCondLst>
+                                  <p:childTnLst>
+                                    <p:set>
+                                      <p:cBhvr>
+                                        <p:cTn id="46" dur="1" fill="hold">
+                                          <p:stCondLst>
+                                            <p:cond delay="0"/>
+                                          </p:stCondLst>
+                                        </p:cTn>
+                                        <p:tgtEl>
+                                          <p:spTgt spid="3">
+                                            <p:txEl>
+                                              <p:pRg st="8" end="8"/>
+                                            </p:txEl>
+                                          </p:spTgt>
+                                        </p:tgtEl>
+                                        <p:attrNameLst>
+                                          <p:attrName>style.visibility</p:attrName>
+                                        </p:attrNameLst>
+                                      </p:cBhvr>
+                                      <p:to>
+                                        <p:strVal val="visible"/>
+                                      </p:to>
+                                    </p:set>
+                                    <p:animEffect transition="in" filter="fade">
+                                      <p:cBhvr>
+                                        <p:cTn id="47" dur="500"/>
+                                        <p:tgtEl>
+                                          <p:spTgt spid="3">
+                                            <p:txEl>
+                                              <p:pRg st="8" end="8"/>
+                                            </p:txEl>
+                                          </p:spTgt>
+                                        </p:tgtEl>
+                                      </p:cBhvr>
+                                    </p:animEffect>
+                                  </p:childTnLst>
+                                </p:cTn>
+                              </p:par>
+                            </p:childTnLst>
+                          </p:cTn>
+                        </p:par>
+                      </p:childTnLst>
+                    </p:cTn>
+                  </p:par>
+                  <p:par>
+                    <p:cTn id="48" fill="hold">
+                      <p:stCondLst>
+                        <p:cond delay="indefinite"/>
+                      </p:stCondLst>
+                      <p:childTnLst>
+                        <p:par>
+                          <p:cTn id="49" fill="hold">
+                            <p:stCondLst>
+                              <p:cond delay="0"/>
+                            </p:stCondLst>
+                            <p:childTnLst>
+                              <p:par>
+                                <p:cTn id="50" presetID="10" presetClass="entr" presetSubtype="0" fill="hold" grpId="0" nodeType="clickEffect">
+                                  <p:stCondLst>
+                                    <p:cond delay="0"/>
+                                  </p:stCondLst>
+                                  <p:childTnLst>
+                                    <p:set>
+                                      <p:cBhvr>
+                                        <p:cTn id="51" dur="1" fill="hold">
+                                          <p:stCondLst>
+                                            <p:cond delay="0"/>
+                                          </p:stCondLst>
+                                        </p:cTn>
+                                        <p:tgtEl>
+                                          <p:spTgt spid="3">
+                                            <p:txEl>
+                                              <p:pRg st="9" end="9"/>
+                                            </p:txEl>
+                                          </p:spTgt>
+                                        </p:tgtEl>
+                                        <p:attrNameLst>
+                                          <p:attrName>style.visibility</p:attrName>
+                                        </p:attrNameLst>
+                                      </p:cBhvr>
+                                      <p:to>
+                                        <p:strVal val="visible"/>
+                                      </p:to>
+                                    </p:set>
+                                    <p:animEffect transition="in" filter="fade">
+                                      <p:cBhvr>
+                                        <p:cTn id="52" dur="500"/>
+                                        <p:tgtEl>
+                                          <p:spTgt spid="3">
+                                            <p:txEl>
+                                              <p:pRg st="9" end="9"/>
+                                            </p:txEl>
+                                          </p:spTgt>
+                                        </p:tgtEl>
+                                      </p:cBhvr>
+                                    </p:animEffect>
+                                  </p:childTnLst>
+                                </p:cTn>
+                              </p:par>
+                            </p:childTnLst>
+                          </p:cTn>
+                        </p:par>
+                      </p:childTnLst>
+                    </p:cTn>
+                  </p:par>
+                </p:childTnLst>
+              </p:cTn>
+              <p:prevCondLst>
+                <p:cond evt="onPrev" delay="0">
+                  <p:tgtEl>
+                    <p:sldTgt/>
+                  </p:tgtEl>
+                </p:cond>
+              </p:prevCondLst>
+              <p:nextCondLst>
+                <p:cond evt="onNext" delay="0">
+                  <p:tgtEl>
+                    <p:sldTgt/>
+                  </p:tgtEl>
+                </p:cond>
+              </p:nextCondLst>
+            </p:seq>
+          </p:childTnLst>
+        </p:cTn>
+      </p:par>
+    </p:tnLst>
+    <p:bldLst>
+      <p:bldP spid="3" grpId="0" uiExpand="1" build="p"/>
+    </p:bldLst>
+  </p:timing>
+</p:sld>
+</file>
+
+<file path=ppt/slides/slide6.xml><?xml version="1.0" encoding="utf-8"?>
+<p:sld xmlns:a="http://schemas.openxmlformats.org/drawingml/2006/main" xmlns:r="http://schemas.openxmlformats.org/officeDocument/2006/relationships" xmlns:p="http://schemas.openxmlformats.org/presentationml/2006/main">
+  <p:cSld>
+    <p:spTree>
+      <p:nvGrpSpPr>
+        <p:cNvPr id="1" name=""/>
+        <p:cNvGrpSpPr/>
+        <p:nvPr/>
+      </p:nvGrpSpPr>
+      <p:grpSpPr>
+        <a:xfrm>
+          <a:off x="0" y="0"/>
+          <a:ext cx="0" cy="0"/>
+          <a:chOff x="0" y="0"/>
+          <a:chExt cx="0" cy="0"/>
+        </a:xfrm>
+      </p:grpSpPr>
+      <p:sp>
+        <p:nvSpPr>
+          <p:cNvPr id="2" name="标题 1"/>
+          <p:cNvSpPr>
+            <a:spLocks noGrp="1"/>
+          </p:cNvSpPr>
+          <p:nvPr>
+            <p:ph type="title"/>
+          </p:nvPr>
+        </p:nvSpPr>
+        <p:spPr/>
+        <p:txBody>
+          <a:bodyPr/>
+          <a:lstStyle/>
+          <a:p>
+            <a:r>
+              <a:rPr lang="zh-CN" altLang="en-US" dirty="0" smtClean="0"/>
+              <a:t>测试用例表</a:t>
+            </a:r>
+            <a:endParaRPr lang="zh-CN" altLang="en-US" dirty="0"/>
+          </a:p>
+        </p:txBody>
+      </p:sp>
+      <p:sp>
+        <p:nvSpPr>
+          <p:cNvPr id="5" name="内容占位符 4"/>
+          <p:cNvSpPr>
+            <a:spLocks noGrp="1"/>
+          </p:cNvSpPr>
+          <p:nvPr>
+            <p:ph idx="1"/>
+          </p:nvPr>
+        </p:nvSpPr>
+        <p:spPr>
+          <a:xfrm>
+            <a:off x="251520" y="1484784"/>
+            <a:ext cx="3744416" cy="5040560"/>
+          </a:xfrm>
+        </p:spPr>
+        <p:txBody>
+          <a:bodyPr/>
+          <a:lstStyle/>
+          <a:p>
+            <a:r>
+              <a:rPr lang="zh-CN" altLang="en-US" dirty="0" smtClean="0"/>
+              <a:t>借鉴了</a:t>
+            </a:r>
+            <a:r>
+              <a:rPr lang="en-US" altLang="zh-CN" dirty="0" smtClean="0"/>
+              <a:t>A</a:t>
+            </a:r>
+            <a:r>
+              <a:rPr lang="zh-CN" altLang="en-US" dirty="0" smtClean="0"/>
+              <a:t>组的表（感谢</a:t>
+            </a:r>
+            <a:r>
+              <a:rPr lang="en-US" altLang="zh-CN" dirty="0" smtClean="0"/>
+              <a:t>A</a:t>
+            </a:r>
+            <a:r>
+              <a:rPr lang="zh-CN" altLang="en-US" dirty="0" smtClean="0"/>
+              <a:t>组</a:t>
+            </a:r>
+            <a:r>
+              <a:rPr lang="en-US" altLang="zh-CN" dirty="0"/>
+              <a:t>^_^</a:t>
+            </a:r>
+            <a:r>
+              <a:rPr lang="zh-CN" altLang="en-US" dirty="0" smtClean="0"/>
+              <a:t>）</a:t>
+            </a:r>
+            <a:endParaRPr lang="en-US" altLang="zh-CN" dirty="0" smtClean="0"/>
+          </a:p>
+          <a:p>
+            <a:r>
+              <a:rPr lang="zh-CN" altLang="en-US" dirty="0" smtClean="0"/>
+              <a:t>添加了对应需求文档中关系</a:t>
+            </a:r>
+            <a:endParaRPr lang="en-US" altLang="zh-CN" dirty="0" smtClean="0"/>
+          </a:p>
+          <a:p>
+            <a:r>
+              <a:rPr lang="zh-CN" altLang="en-US" dirty="0" smtClean="0"/>
+              <a:t>添加了工作量估计</a:t>
+            </a:r>
+            <a:endParaRPr lang="zh-CN" altLang="en-US" dirty="0"/>
+          </a:p>
+        </p:txBody>
+      </p:sp>
+      <p:grpSp>
+        <p:nvGrpSpPr>
+          <p:cNvPr id="7" name="组合 6"/>
+          <p:cNvGrpSpPr/>
+          <p:nvPr/>
+        </p:nvGrpSpPr>
+        <p:grpSpPr>
+          <a:xfrm>
+            <a:off x="4049312" y="1297373"/>
+            <a:ext cx="4959612" cy="5585208"/>
+            <a:chOff x="4184388" y="1272792"/>
+            <a:chExt cx="4959612" cy="5585208"/>
+          </a:xfrm>
+        </p:grpSpPr>
+        <p:pic>
+          <p:nvPicPr>
+            <p:cNvPr id="1025" name="Picture 1"/>
+            <p:cNvPicPr>
+              <a:picLocks noChangeAspect="1" noChangeArrowheads="1"/>
+            </p:cNvPicPr>
+            <p:nvPr/>
+          </p:nvPicPr>
+          <p:blipFill>
+            <a:blip r:embed="rId2">
+              <a:extLst>
+                <a:ext uri="{28A0092B-C50C-407E-A947-70E740481C1C}">
+                  <a14:useLocalDpi xmlns:a14="http://schemas.microsoft.com/office/drawing/2010/main" val="0"/>
+                </a:ext>
+              </a:extLst>
+            </a:blip>
+            <a:srcRect/>
+            <a:stretch>
+              <a:fillRect/>
+            </a:stretch>
+          </p:blipFill>
+          <p:spPr bwMode="auto">
+            <a:xfrm>
+              <a:off x="4184388" y="1272792"/>
+              <a:ext cx="4824536" cy="5585208"/>
+            </a:xfrm>
+            <a:prstGeom prst="rect">
+              <a:avLst/>
+            </a:prstGeom>
+            <a:noFill/>
+            <a:ln>
+              <a:noFill/>
+            </a:ln>
+            <a:effectLst/>
+            <a:extLst>
+              <a:ext uri="{909E8E84-426E-40DD-AFC4-6F175D3DCCD1}">
+                <a14:hiddenFill xmlns:a14="http://schemas.microsoft.com/office/drawing/2010/main">
+                  <a:solidFill>
+                    <a:schemeClr val="accent1"/>
+                  </a:solidFill>
+                </a14:hiddenFill>
+              </a:ext>
+              <a:ext uri="{91240B29-F687-4F45-9708-019B960494DF}">
+                <a14:hiddenLine xmlns:a14="http://schemas.microsoft.com/office/drawing/2010/main" w="9525">
+                  <a:solidFill>
+                    <a:schemeClr val="tx1"/>
+                  </a:solidFill>
+                  <a:miter lim="800000"/>
+                  <a:headEnd/>
+                  <a:tailEnd/>
+                </a14:hiddenLine>
+              </a:ext>
+              <a:ext uri="{AF507438-7753-43E0-B8FC-AC1667EBCBE1}">
+                <a14:hiddenEffects xmlns:a14="http://schemas.microsoft.com/office/drawing/2010/main">
+                  <a:effectLst>
+                    <a:outerShdw dist="35921" dir="2700000" algn="ctr" rotWithShape="0">
+                      <a:schemeClr val="bg2"/>
+                    </a:outerShdw>
+                  </a:effectLst>
+                </a14:hiddenEffects>
+              </a:ext>
+            </a:extLst>
+          </p:spPr>
+        </p:pic>
+        <p:sp>
+          <p:nvSpPr>
+            <p:cNvPr id="6" name="圆角矩形 5"/>
+            <p:cNvSpPr/>
+            <p:nvPr/>
+          </p:nvSpPr>
+          <p:spPr>
+            <a:xfrm>
+              <a:off x="7954752" y="1272792"/>
+              <a:ext cx="1189248" cy="572032"/>
+            </a:xfrm>
+            <a:prstGeom prst="roundRect">
+              <a:avLst/>
+            </a:prstGeom>
+            <a:noFill/>
+          </p:spPr>
+          <p:style>
+            <a:lnRef idx="2">
+              <a:schemeClr val="accent1"/>
+            </a:lnRef>
+            <a:fillRef idx="1">
+              <a:schemeClr val="lt1"/>
+            </a:fillRef>
+            <a:effectRef idx="0">
+              <a:schemeClr val="accent1"/>
+            </a:effectRef>
+            <a:fontRef idx="minor">
+              <a:schemeClr val="dk1"/>
+            </a:fontRef>
+          </p:style>
+          <p:txBody>
+            <a:bodyPr rtlCol="0" anchor="ctr"/>
+            <a:lstStyle/>
+            <a:p>
+              <a:pPr algn="ctr"/>
+              <a:endParaRPr lang="zh-CN" altLang="en-US"/>
+            </a:p>
+          </p:txBody>
+        </p:sp>
+        <p:sp>
+          <p:nvSpPr>
+            <p:cNvPr id="10" name="圆角矩形 9"/>
+            <p:cNvSpPr/>
+            <p:nvPr/>
+          </p:nvSpPr>
+          <p:spPr>
+            <a:xfrm>
+              <a:off x="4355976" y="5949280"/>
+              <a:ext cx="1189248" cy="572032"/>
+            </a:xfrm>
+            <a:prstGeom prst="roundRect">
+              <a:avLst/>
+            </a:prstGeom>
+            <a:noFill/>
+          </p:spPr>
+          <p:style>
+            <a:lnRef idx="2">
+              <a:schemeClr val="accent1"/>
+            </a:lnRef>
+            <a:fillRef idx="1">
+              <a:schemeClr val="lt1"/>
+            </a:fillRef>
+            <a:effectRef idx="0">
+              <a:schemeClr val="accent1"/>
+            </a:effectRef>
+            <a:fontRef idx="minor">
+              <a:schemeClr val="dk1"/>
+            </a:fontRef>
+          </p:style>
+          <p:txBody>
+            <a:bodyPr rtlCol="0" anchor="ctr"/>
+            <a:lstStyle/>
+            <a:p>
+              <a:pPr algn="ctr"/>
+              <a:endParaRPr lang="zh-CN" altLang="en-US"/>
+            </a:p>
+          </p:txBody>
+        </p:sp>
+      </p:grpSp>
+    </p:spTree>
+    <p:extLst>
+      <p:ext uri="{BB962C8B-B14F-4D97-AF65-F5344CB8AC3E}">
+        <p14:creationId xmlns:p14="http://schemas.microsoft.com/office/powerpoint/2010/main" val="3539595227"/>
+      </p:ext>
+    </p:extLst>
+  </p:cSld>
+  <p:clrMapOvr>
+    <a:masterClrMapping/>
+  </p:clrMapOvr>
+  <p:transition spd="slow">
+    <p:push dir="u"/>
+  </p:transition>
+  <p:timing>
+    <p:tnLst>
+      <p:par>
+        <p:cTn id="1" dur="indefinite" restart="never" nodeType="tmRoot">
+          <p:childTnLst>
+            <p:seq concurrent="1" nextAc="seek">
+              <p:cTn id="2" dur="indefinite" nodeType="mainSeq">
+                <p:childTnLst>
+                  <p:par>
+                    <p:cTn id="3" fill="hold">
+                      <p:stCondLst>
+                        <p:cond delay="indefinite"/>
+                      </p:stCondLst>
+                      <p:childTnLst>
+                        <p:par>
+                          <p:cTn id="4" fill="hold">
+                            <p:stCondLst>
+                              <p:cond delay="0"/>
+                            </p:stCondLst>
+                            <p:childTnLst>
+                              <p:par>
+                                <p:cTn id="5" presetID="10" presetClass="entr" presetSubtype="0" fill="hold" grpId="0" nodeType="clickEffect">
+                                  <p:stCondLst>
+                                    <p:cond delay="0"/>
+                                  </p:stCondLst>
+                                  <p:childTnLst>
+                                    <p:set>
+                                      <p:cBhvr>
+                                        <p:cTn id="6" dur="1" fill="hold">
+                                          <p:stCondLst>
+                                            <p:cond delay="0"/>
+                                          </p:stCondLst>
+                                        </p:cTn>
+                                        <p:tgtEl>
+                                          <p:spTgt spid="5">
+                                            <p:txEl>
+                                              <p:pRg st="0" end="0"/>
+                                            </p:txEl>
+                                          </p:spTgt>
+                                        </p:tgtEl>
+                                        <p:attrNameLst>
+                                          <p:attrName>style.visibility</p:attrName>
+                                        </p:attrNameLst>
+                                      </p:cBhvr>
+                                      <p:to>
+                                        <p:strVal val="visible"/>
+                                      </p:to>
+                                    </p:set>
+                                    <p:animEffect transition="in" filter="fade">
+                                      <p:cBhvr>
+                                        <p:cTn id="7" dur="500"/>
+                                        <p:tgtEl>
+                                          <p:spTgt spid="5">
+                                            <p:txEl>
+                                              <p:pRg st="0" end="0"/>
+                                            </p:txEl>
+                                          </p:spTgt>
+                                        </p:tgtEl>
+                                      </p:cBhvr>
+                                    </p:animEffect>
+                                  </p:childTnLst>
+                                </p:cTn>
+                              </p:par>
+                            </p:childTnLst>
+                          </p:cTn>
+                        </p:par>
+                      </p:childTnLst>
+                    </p:cTn>
+                  </p:par>
+                  <p:par>
+                    <p:cTn id="8" fill="hold">
+                      <p:stCondLst>
+                        <p:cond delay="indefinite"/>
+                      </p:stCondLst>
+                      <p:childTnLst>
+                        <p:par>
+                          <p:cTn id="9" fill="hold">
+                            <p:stCondLst>
+                              <p:cond delay="0"/>
+                            </p:stCondLst>
+                            <p:childTnLst>
+                              <p:par>
+                                <p:cTn id="10" presetID="10" presetClass="entr" presetSubtype="0" fill="hold" grpId="0" nodeType="clickEffect">
+                                  <p:stCondLst>
+                                    <p:cond delay="0"/>
+                                  </p:stCondLst>
+                                  <p:childTnLst>
+                                    <p:set>
+                                      <p:cBhvr>
+                                        <p:cTn id="11" dur="1" fill="hold">
+                                          <p:stCondLst>
+                                            <p:cond delay="0"/>
+                                          </p:stCondLst>
+                                        </p:cTn>
+                                        <p:tgtEl>
+                                          <p:spTgt spid="5">
+                                            <p:txEl>
+                                              <p:pRg st="1" end="1"/>
+                                            </p:txEl>
+                                          </p:spTgt>
+                                        </p:tgtEl>
+                                        <p:attrNameLst>
+                                          <p:attrName>style.visibility</p:attrName>
+                                        </p:attrNameLst>
+                                      </p:cBhvr>
+                                      <p:to>
+                                        <p:strVal val="visible"/>
+                                      </p:to>
+                                    </p:set>
+                                    <p:animEffect transition="in" filter="fade">
+                                      <p:cBhvr>
+                                        <p:cTn id="12" dur="500"/>
+                                        <p:tgtEl>
+                                          <p:spTgt spid="5">
+                                            <p:txEl>
+                                              <p:pRg st="1" end="1"/>
+                                            </p:txEl>
+                                          </p:spTgt>
+                                        </p:tgtEl>
+                                      </p:cBhvr>
+                                    </p:animEffect>
+                                  </p:childTnLst>
+                                </p:cTn>
+                              </p:par>
+                            </p:childTnLst>
+                          </p:cTn>
+                        </p:par>
+                      </p:childTnLst>
+                    </p:cTn>
+                  </p:par>
+                  <p:par>
+                    <p:cTn id="13" fill="hold">
+                      <p:stCondLst>
+                        <p:cond delay="indefinite"/>
+                      </p:stCondLst>
+                      <p:childTnLst>
+                        <p:par>
+                          <p:cTn id="14" fill="hold">
+                            <p:stCondLst>
+                              <p:cond delay="0"/>
+                            </p:stCondLst>
+                            <p:childTnLst>
+                              <p:par>
+                                <p:cTn id="15" presetID="10" presetClass="entr" presetSubtype="0" fill="hold" grpId="0" nodeType="clickEffect">
+                                  <p:stCondLst>
+                                    <p:cond delay="0"/>
+                                  </p:stCondLst>
+                                  <p:childTnLst>
+                                    <p:set>
+                                      <p:cBhvr>
+                                        <p:cTn id="16" dur="1" fill="hold">
+                                          <p:stCondLst>
+                                            <p:cond delay="0"/>
+                                          </p:stCondLst>
+                                        </p:cTn>
+                                        <p:tgtEl>
+                                          <p:spTgt spid="5">
+                                            <p:txEl>
+                                              <p:pRg st="2" end="2"/>
+                                            </p:txEl>
+                                          </p:spTgt>
+                                        </p:tgtEl>
+                                        <p:attrNameLst>
+                                          <p:attrName>style.visibility</p:attrName>
+                                        </p:attrNameLst>
+                                      </p:cBhvr>
+                                      <p:to>
+                                        <p:strVal val="visible"/>
+                                      </p:to>
+                                    </p:set>
+                                    <p:animEffect transition="in" filter="fade">
+                                      <p:cBhvr>
+                                        <p:cTn id="17" dur="500"/>
+                                        <p:tgtEl>
+                                          <p:spTgt spid="5">
+                                            <p:txEl>
+                                              <p:pRg st="2" end="2"/>
+                                            </p:txEl>
+                                          </p:spTgt>
+                                        </p:tgtEl>
+                                      </p:cBhvr>
+                                    </p:animEffect>
+                                  </p:childTnLst>
+                                </p:cTn>
+                              </p:par>
+                            </p:childTnLst>
+                          </p:cTn>
+                        </p:par>
+                      </p:childTnLst>
+                    </p:cTn>
+                  </p:par>
+                </p:childTnLst>
+              </p:cTn>
+              <p:prevCondLst>
+                <p:cond evt="onPrev" delay="0">
+                  <p:tgtEl>
+                    <p:sldTgt/>
+                  </p:tgtEl>
+                </p:cond>
+              </p:prevCondLst>
+              <p:nextCondLst>
+                <p:cond evt="onNext" delay="0">
+                  <p:tgtEl>
+                    <p:sldTgt/>
+                  </p:tgtEl>
+                </p:cond>
+              </p:nextCondLst>
+            </p:seq>
+          </p:childTnLst>
+        </p:cTn>
+      </p:par>
+    </p:tnLst>
+    <p:bldLst>
+      <p:bldP spid="5" grpId="0" uiExpand="1" build="p"/>
+    </p:bldLst>
+  </p:timing>
+</p:sld>
+</file>
+
+<file path=ppt/slides/slide7.xml><?xml version="1.0" encoding="utf-8"?>
+<p:sld xmlns:a="http://schemas.openxmlformats.org/drawingml/2006/main" xmlns:r="http://schemas.openxmlformats.org/officeDocument/2006/relationships" xmlns:p="http://schemas.openxmlformats.org/presentationml/2006/main">
+  <p:cSld>
+    <p:spTree>
+      <p:nvGrpSpPr>
+        <p:cNvPr id="1" name=""/>
+        <p:cNvGrpSpPr/>
+        <p:nvPr/>
+      </p:nvGrpSpPr>
+      <p:grpSpPr>
+        <a:xfrm>
+          <a:off x="0" y="0"/>
+          <a:ext cx="0" cy="0"/>
+          <a:chOff x="0" y="0"/>
+          <a:chExt cx="0" cy="0"/>
+        </a:xfrm>
+      </p:grpSpPr>
+      <p:sp>
+        <p:nvSpPr>
+          <p:cNvPr id="2" name="标题 1"/>
+          <p:cNvSpPr>
+            <a:spLocks noGrp="1"/>
+          </p:cNvSpPr>
+          <p:nvPr>
+            <p:ph type="title"/>
+          </p:nvPr>
+        </p:nvSpPr>
+        <p:spPr/>
+        <p:txBody>
+          <a:bodyPr/>
+          <a:lstStyle/>
+          <a:p>
+            <a:r>
+              <a:rPr lang="zh-CN" altLang="en-US" dirty="0" smtClean="0"/>
+              <a:t>测试用例统计</a:t>
+            </a:r>
+            <a:endParaRPr lang="zh-CN" altLang="en-US" dirty="0"/>
+          </a:p>
+        </p:txBody>
+      </p:sp>
+      <p:sp>
+        <p:nvSpPr>
+          <p:cNvPr id="3" name="内容占位符 2"/>
+          <p:cNvSpPr>
+            <a:spLocks noGrp="1"/>
+          </p:cNvSpPr>
+          <p:nvPr>
+            <p:ph idx="1"/>
+          </p:nvPr>
+        </p:nvSpPr>
+        <p:spPr>
+          <a:xfrm>
+            <a:off x="395536" y="1484784"/>
+            <a:ext cx="8291264" cy="5184576"/>
+          </a:xfrm>
+        </p:spPr>
+        <p:txBody>
+          <a:bodyPr>
+            <a:normAutofit lnSpcReduction="10000"/>
+          </a:bodyPr>
+          <a:lstStyle/>
+          <a:p>
+            <a:r>
+              <a:rPr lang="zh-CN" altLang="en-US" dirty="0"/>
+              <a:t>安装测试</a:t>
+            </a:r>
+            <a:endParaRPr lang="en-US" altLang="zh-CN" dirty="0"/>
+          </a:p>
+          <a:p>
+            <a:pPr lvl="1"/>
+            <a:r>
+              <a:rPr lang="zh-CN" altLang="en-US" dirty="0"/>
+              <a:t>跨平台</a:t>
+            </a:r>
+            <a:r>
+              <a:rPr lang="zh-CN" altLang="en-US" dirty="0" smtClean="0"/>
+              <a:t>安装（</a:t>
+            </a:r>
+            <a:r>
+              <a:rPr lang="en-US" altLang="zh-CN" dirty="0" smtClean="0"/>
+              <a:t>3</a:t>
+            </a:r>
+            <a:r>
+              <a:rPr lang="zh-CN" altLang="en-US" dirty="0" smtClean="0"/>
+              <a:t>）</a:t>
+            </a:r>
+            <a:endParaRPr lang="en-US" altLang="zh-CN" dirty="0"/>
+          </a:p>
+          <a:p>
+            <a:r>
+              <a:rPr lang="zh-CN" altLang="en-US" dirty="0"/>
+              <a:t>功能测试</a:t>
+            </a:r>
+            <a:endParaRPr lang="en-US" altLang="zh-CN" dirty="0"/>
+          </a:p>
+          <a:p>
+            <a:pPr lvl="1"/>
+            <a:r>
+              <a:rPr lang="zh-CN" altLang="en-US" dirty="0"/>
+              <a:t>静态文件</a:t>
+            </a:r>
+            <a:r>
+              <a:rPr lang="zh-CN" altLang="en-US" dirty="0" smtClean="0"/>
+              <a:t>测试（</a:t>
+            </a:r>
+            <a:r>
+              <a:rPr lang="en-US" altLang="zh-CN" dirty="0" smtClean="0"/>
+              <a:t>4</a:t>
+            </a:r>
+            <a:r>
+              <a:rPr lang="zh-CN" altLang="en-US" dirty="0" smtClean="0"/>
+              <a:t>）</a:t>
+            </a:r>
+            <a:endParaRPr lang="en-US" altLang="zh-CN" dirty="0"/>
+          </a:p>
+          <a:p>
+            <a:pPr lvl="1"/>
+            <a:r>
+              <a:rPr lang="zh-CN" altLang="en-US" dirty="0"/>
+              <a:t>动态网页</a:t>
+            </a:r>
+            <a:r>
+              <a:rPr lang="zh-CN" altLang="en-US" dirty="0" smtClean="0"/>
+              <a:t>测试（</a:t>
+            </a:r>
+            <a:r>
+              <a:rPr lang="en-US" altLang="zh-CN" dirty="0" smtClean="0"/>
+              <a:t>3</a:t>
+            </a:r>
+            <a:r>
+              <a:rPr lang="zh-CN" altLang="en-US" dirty="0" smtClean="0"/>
+              <a:t>）</a:t>
+            </a:r>
+            <a:endParaRPr lang="en-US" altLang="zh-CN" dirty="0"/>
+          </a:p>
+          <a:p>
+            <a:pPr lvl="1"/>
+            <a:r>
+              <a:rPr lang="zh-CN" altLang="en-US" dirty="0"/>
+              <a:t>配置</a:t>
+            </a:r>
+            <a:r>
+              <a:rPr lang="zh-CN" altLang="en-US" dirty="0" smtClean="0"/>
+              <a:t>测试（</a:t>
+            </a:r>
+            <a:r>
+              <a:rPr lang="en-US" altLang="zh-CN" dirty="0" smtClean="0"/>
+              <a:t>9</a:t>
+            </a:r>
+            <a:r>
+              <a:rPr lang="zh-CN" altLang="en-US" dirty="0" smtClean="0"/>
+              <a:t>）</a:t>
+            </a:r>
+            <a:endParaRPr lang="en-US" altLang="zh-CN" dirty="0"/>
+          </a:p>
+          <a:p>
+            <a:pPr lvl="1"/>
+            <a:r>
+              <a:rPr lang="zh-CN" altLang="en-US" dirty="0"/>
+              <a:t>可视化</a:t>
+            </a:r>
+            <a:r>
+              <a:rPr lang="zh-CN" altLang="en-US" dirty="0" smtClean="0"/>
+              <a:t>模块测试（</a:t>
+            </a:r>
+            <a:r>
+              <a:rPr lang="en-US" altLang="zh-CN" dirty="0" smtClean="0"/>
+              <a:t>14</a:t>
+            </a:r>
+            <a:r>
+              <a:rPr lang="zh-CN" altLang="en-US" dirty="0" smtClean="0"/>
+              <a:t>）</a:t>
+            </a:r>
+            <a:endParaRPr lang="en-US" altLang="zh-CN" dirty="0"/>
+          </a:p>
+          <a:p>
+            <a:r>
+              <a:rPr lang="zh-CN" altLang="en-US" dirty="0"/>
+              <a:t>非功能测试</a:t>
+            </a:r>
+            <a:endParaRPr lang="en-US" altLang="zh-CN" dirty="0"/>
+          </a:p>
+          <a:p>
+            <a:pPr lvl="1"/>
+            <a:r>
+              <a:rPr lang="zh-CN" altLang="en-US" dirty="0"/>
+              <a:t>可靠性</a:t>
+            </a:r>
+            <a:r>
+              <a:rPr lang="zh-CN" altLang="en-US" dirty="0" smtClean="0"/>
+              <a:t>测试（</a:t>
+            </a:r>
+            <a:r>
+              <a:rPr lang="en-US" altLang="zh-CN" dirty="0" smtClean="0"/>
+              <a:t>2</a:t>
+            </a:r>
+            <a:r>
+              <a:rPr lang="zh-CN" altLang="en-US" dirty="0" smtClean="0"/>
+              <a:t>）</a:t>
+            </a:r>
+            <a:endParaRPr lang="en-US" altLang="zh-CN" dirty="0"/>
+          </a:p>
+          <a:p>
+            <a:pPr lvl="1"/>
+            <a:r>
+              <a:rPr lang="zh-CN" altLang="en-US" dirty="0"/>
+              <a:t>性能</a:t>
+            </a:r>
+            <a:r>
+              <a:rPr lang="zh-CN" altLang="en-US" dirty="0" smtClean="0"/>
+              <a:t>测试（</a:t>
+            </a:r>
+            <a:r>
+              <a:rPr lang="en-US" altLang="zh-CN" dirty="0" smtClean="0"/>
+              <a:t>4</a:t>
+            </a:r>
+            <a:r>
+              <a:rPr lang="zh-CN" altLang="en-US" dirty="0" smtClean="0"/>
+              <a:t>）</a:t>
+            </a:r>
+            <a:endParaRPr lang="zh-CN" altLang="en-US" dirty="0"/>
+          </a:p>
+        </p:txBody>
+      </p:sp>
+    </p:spTree>
+    <p:extLst>
+      <p:ext uri="{BB962C8B-B14F-4D97-AF65-F5344CB8AC3E}">
+        <p14:creationId xmlns:p14="http://schemas.microsoft.com/office/powerpoint/2010/main" val="3300609873"/>
+      </p:ext>
+    </p:extLst>
+  </p:cSld>
+  <p:clrMapOvr>
+    <a:masterClrMapping/>
+  </p:clrMapOvr>
+  <p:transition spd="slow">
+    <p:push dir="u"/>
+  </p:transition>
+  <p:timing>
+    <p:tnLst>
+      <p:par>
+        <p:cTn id="1" dur="indefinite" restart="never" nodeType="tmRoot">
+          <p:childTnLst>
+            <p:seq concurrent="1" nextAc="seek">
+              <p:cTn id="2" dur="indefinite" nodeType="mainSeq">
+                <p:childTnLst>
+                  <p:par>
+                    <p:cTn id="3" fill="hold">
+                      <p:stCondLst>
+                        <p:cond delay="indefinite"/>
+                      </p:stCondLst>
+                      <p:childTnLst>
+                        <p:par>
+                          <p:cTn id="4" fill="hold">
+                            <p:stCondLst>
+                              <p:cond delay="0"/>
+                            </p:stCondLst>
+                            <p:childTnLst>
+                              <p:par>
+                                <p:cTn id="5" presetID="10" presetClass="entr" presetSubtype="0" fill="hold" grpId="0" nodeType="clickEffect">
+                                  <p:stCondLst>
+                                    <p:cond delay="0"/>
+                                  </p:stCondLst>
+                                  <p:childTnLst>
+                                    <p:set>
+                                      <p:cBhvr>
+                                        <p:cTn id="6" dur="1" fill="hold">
+                                          <p:stCondLst>
+                                            <p:cond delay="0"/>
+                                          </p:stCondLst>
+                                        </p:cTn>
+                                        <p:tgtEl>
+                                          <p:spTgt spid="3">
+                                            <p:txEl>
+                                              <p:pRg st="0" end="0"/>
+                                            </p:txEl>
+                                          </p:spTgt>
+                                        </p:tgtEl>
+                                        <p:attrNameLst>
+                                          <p:attrName>style.visibility</p:attrName>
+                                        </p:attrNameLst>
+                                      </p:cBhvr>
+                                      <p:to>
+                                        <p:strVal val="visible"/>
+                                      </p:to>
+                                    </p:set>
+                                    <p:animEffect transition="in" filter="fade">
+                                      <p:cBhvr>
+                                        <p:cTn id="7" dur="500"/>
+                                        <p:tgtEl>
+                                          <p:spTgt spid="3">
+                                            <p:txEl>
+                                              <p:pRg st="0" end="0"/>
+                                            </p:txEl>
+                                          </p:spTgt>
+                                        </p:tgtEl>
+                                      </p:cBhvr>
+                                    </p:animEffect>
+                                  </p:childTnLst>
+                                </p:cTn>
+                              </p:par>
+                            </p:childTnLst>
+                          </p:cTn>
+                        </p:par>
+                      </p:childTnLst>
+                    </p:cTn>
+                  </p:par>
+                  <p:par>
+                    <p:cTn id="8" fill="hold">
+                      <p:stCondLst>
+                        <p:cond delay="indefinite"/>
+                      </p:stCondLst>
+                      <p:childTnLst>
+                        <p:par>
+                          <p:cTn id="9" fill="hold">
+                            <p:stCondLst>
+                              <p:cond delay="0"/>
+                            </p:stCondLst>
+                            <p:childTnLst>
+                              <p:par>
+                                <p:cTn id="10" presetID="10" presetClass="entr" presetSubtype="0" fill="hold" grpId="0" nodeType="clickEffect">
+                                  <p:stCondLst>
+                                    <p:cond delay="0"/>
+                                  </p:stCondLst>
+                                  <p:childTnLst>
+                                    <p:set>
+                                      <p:cBhvr>
+                                        <p:cTn id="11" dur="1" fill="hold">
+                                          <p:stCondLst>
+                                            <p:cond delay="0"/>
+                                          </p:stCondLst>
+                                        </p:cTn>
+                                        <p:tgtEl>
+                                          <p:spTgt spid="3">
+                                            <p:txEl>
+                                              <p:pRg st="1" end="1"/>
+                                            </p:txEl>
+                                          </p:spTgt>
+                                        </p:tgtEl>
+                                        <p:attrNameLst>
+                                          <p:attrName>style.visibility</p:attrName>
+                                        </p:attrNameLst>
+                                      </p:cBhvr>
+                                      <p:to>
+                                        <p:strVal val="visible"/>
+                                      </p:to>
+                                    </p:set>
+                                    <p:animEffect transition="in" filter="fade">
+                                      <p:cBhvr>
+                                        <p:cTn id="12" dur="500"/>
+                                        <p:tgtEl>
+                                          <p:spTgt spid="3">
+                                            <p:txEl>
+                                              <p:pRg st="1" end="1"/>
+                                            </p:txEl>
+                                          </p:spTgt>
+                                        </p:tgtEl>
+                                      </p:cBhvr>
+                                    </p:animEffect>
+                                  </p:childTnLst>
+                                </p:cTn>
+                              </p:par>
+                            </p:childTnLst>
+                          </p:cTn>
+                        </p:par>
+                      </p:childTnLst>
+                    </p:cTn>
+                  </p:par>
+                  <p:par>
+                    <p:cTn id="13" fill="hold">
+                      <p:stCondLst>
+                        <p:cond delay="indefinite"/>
+                      </p:stCondLst>
+                      <p:childTnLst>
+                        <p:par>
+                          <p:cTn id="14" fill="hold">
+                            <p:stCondLst>
+                              <p:cond delay="0"/>
+                            </p:stCondLst>
+                            <p:childTnLst>
+                              <p:par>
+                                <p:cTn id="15" presetID="10" presetClass="entr" presetSubtype="0" fill="hold" grpId="0" nodeType="clickEffect">
+                                  <p:stCondLst>
+                                    <p:cond delay="0"/>
+                                  </p:stCondLst>
+                                  <p:childTnLst>
+                                    <p:set>
+                                      <p:cBhvr>
+                                        <p:cTn id="16" dur="1" fill="hold">
+                                          <p:stCondLst>
+                                            <p:cond delay="0"/>
+                                          </p:stCondLst>
+                                        </p:cTn>
+                                        <p:tgtEl>
+                                          <p:spTgt spid="3">
+                                            <p:txEl>
+                                              <p:pRg st="2" end="2"/>
+                                            </p:txEl>
+                                          </p:spTgt>
+                                        </p:tgtEl>
+                                        <p:attrNameLst>
+                                          <p:attrName>style.visibility</p:attrName>
+                                        </p:attrNameLst>
+                                      </p:cBhvr>
+                                      <p:to>
+                                        <p:strVal val="visible"/>
+                                      </p:to>
+                                    </p:set>
+                                    <p:animEffect transition="in" filter="fade">
+                                      <p:cBhvr>
+                                        <p:cTn id="17" dur="500"/>
+                                        <p:tgtEl>
+                                          <p:spTgt spid="3">
+                                            <p:txEl>
+                                              <p:pRg st="2" end="2"/>
+                                            </p:txEl>
+                                          </p:spTgt>
+                                        </p:tgtEl>
+                                      </p:cBhvr>
+                                    </p:animEffect>
+                                  </p:childTnLst>
+                                </p:cTn>
+                              </p:par>
+                            </p:childTnLst>
+                          </p:cTn>
+                        </p:par>
+                      </p:childTnLst>
+                    </p:cTn>
+                  </p:par>
+                  <p:par>
+                    <p:cTn id="18" fill="hold">
+                      <p:stCondLst>
+                        <p:cond delay="indefinite"/>
+                      </p:stCondLst>
+                      <p:childTnLst>
+                        <p:par>
+                          <p:cTn id="19" fill="hold">
+                            <p:stCondLst>
+                              <p:cond delay="0"/>
+                            </p:stCondLst>
+                            <p:childTnLst>
+                              <p:par>
+                                <p:cTn id="20" presetID="10" presetClass="entr" presetSubtype="0" fill="hold" grpId="0" nodeType="clickEffect">
+                                  <p:stCondLst>
+                                    <p:cond delay="0"/>
+                                  </p:stCondLst>
+                                  <p:childTnLst>
+                                    <p:set>
+                                      <p:cBhvr>
+                                        <p:cTn id="21" dur="1" fill="hold">
+                                          <p:stCondLst>
+                                            <p:cond delay="0"/>
+                                          </p:stCondLst>
+                                        </p:cTn>
+                                        <p:tgtEl>
+                                          <p:spTgt spid="3">
+                                            <p:txEl>
+                                              <p:pRg st="3" end="3"/>
+                                            </p:txEl>
+                                          </p:spTgt>
+                                        </p:tgtEl>
+                                        <p:attrNameLst>
+                                          <p:attrName>style.visibility</p:attrName>
+                                        </p:attrNameLst>
+                                      </p:cBhvr>
+                                      <p:to>
+                                        <p:strVal val="visible"/>
+                                      </p:to>
+                                    </p:set>
+                                    <p:animEffect transition="in" filter="fade">
+                                      <p:cBhvr>
+                                        <p:cTn id="22" dur="500"/>
+                                        <p:tgtEl>
+                                          <p:spTgt spid="3">
+                                            <p:txEl>
+                                              <p:pRg st="3" end="3"/>
+                                            </p:txEl>
+                                          </p:spTgt>
+                                        </p:tgtEl>
+                                      </p:cBhvr>
+                                    </p:animEffect>
+                                  </p:childTnLst>
+                                </p:cTn>
+                              </p:par>
+                            </p:childTnLst>
+                          </p:cTn>
+                        </p:par>
+                      </p:childTnLst>
+                    </p:cTn>
+                  </p:par>
+                  <p:par>
+                    <p:cTn id="23" fill="hold">
+                      <p:stCondLst>
+                        <p:cond delay="indefinite"/>
+                      </p:stCondLst>
+                      <p:childTnLst>
+                        <p:par>
+                          <p:cTn id="24" fill="hold">
+                            <p:stCondLst>
+                              <p:cond delay="0"/>
+                            </p:stCondLst>
+                            <p:childTnLst>
+                              <p:par>
+                                <p:cTn id="25" presetID="10" presetClass="entr" presetSubtype="0" fill="hold" grpId="0" nodeType="clickEffect">
+                                  <p:stCondLst>
+                                    <p:cond delay="0"/>
+                                  </p:stCondLst>
+                                  <p:childTnLst>
+                                    <p:set>
+                                      <p:cBhvr>
+                                        <p:cTn id="26" dur="1" fill="hold">
+                                          <p:stCondLst>
+                                            <p:cond delay="0"/>
+                                          </p:stCondLst>
+                                        </p:cTn>
+                                        <p:tgtEl>
+                                          <p:spTgt spid="3">
+                                            <p:txEl>
+                                              <p:pRg st="4" end="4"/>
+                                            </p:txEl>
+                                          </p:spTgt>
+                                        </p:tgtEl>
+                                        <p:attrNameLst>
+                                          <p:attrName>style.visibility</p:attrName>
+                                        </p:attrNameLst>
+                                      </p:cBhvr>
+                                      <p:to>
+                                        <p:strVal val="visible"/>
+                                      </p:to>
+                                    </p:set>
+                                    <p:animEffect transition="in" filter="fade">
+                                      <p:cBhvr>
+                                        <p:cTn id="27" dur="500"/>
+                                        <p:tgtEl>
+                                          <p:spTgt spid="3">
+                                            <p:txEl>
+                                              <p:pRg st="4" end="4"/>
+                                            </p:txEl>
+                                          </p:spTgt>
+                                        </p:tgtEl>
+                                      </p:cBhvr>
+                                    </p:animEffect>
+                                  </p:childTnLst>
+                                </p:cTn>
+                              </p:par>
+                            </p:childTnLst>
+                          </p:cTn>
+                        </p:par>
+                      </p:childTnLst>
+                    </p:cTn>
+                  </p:par>
+                  <p:par>
+                    <p:cTn id="28" fill="hold">
+                      <p:stCondLst>
+                        <p:cond delay="indefinite"/>
+                      </p:stCondLst>
+                      <p:childTnLst>
+                        <p:par>
+                          <p:cTn id="29" fill="hold">
+                            <p:stCondLst>
+                              <p:cond delay="0"/>
+                            </p:stCondLst>
+                            <p:childTnLst>
+                              <p:par>
+                                <p:cTn id="30" presetID="10" presetClass="entr" presetSubtype="0" fill="hold" grpId="0" nodeType="clickEffect">
+                                  <p:stCondLst>
+                                    <p:cond delay="0"/>
+                                  </p:stCondLst>
+                                  <p:childTnLst>
+                                    <p:set>
+                                      <p:cBhvr>
+                                        <p:cTn id="31" dur="1" fill="hold">
+                                          <p:stCondLst>
+                                            <p:cond delay="0"/>
+                                          </p:stCondLst>
+                                        </p:cTn>
+                                        <p:tgtEl>
+                                          <p:spTgt spid="3">
+                                            <p:txEl>
+                                              <p:pRg st="5" end="5"/>
+                                            </p:txEl>
+                                          </p:spTgt>
+                                        </p:tgtEl>
+                                        <p:attrNameLst>
+                                          <p:attrName>style.visibility</p:attrName>
+                                        </p:attrNameLst>
+                                      </p:cBhvr>
+                                      <p:to>
+                                        <p:strVal val="visible"/>
+                                      </p:to>
+                                    </p:set>
+                                    <p:animEffect transition="in" filter="fade">
+                                      <p:cBhvr>
+                                        <p:cTn id="32" dur="500"/>
+                                        <p:tgtEl>
+                                          <p:spTgt spid="3">
+                                            <p:txEl>
+                                              <p:pRg st="5" end="5"/>
+                                            </p:txEl>
+                                          </p:spTgt>
+                                        </p:tgtEl>
+                                      </p:cBhvr>
+                                    </p:animEffect>
+                                  </p:childTnLst>
+                                </p:cTn>
+                              </p:par>
+                            </p:childTnLst>
+                          </p:cTn>
+                        </p:par>
+                      </p:childTnLst>
+                    </p:cTn>
+                  </p:par>
+                  <p:par>
+                    <p:cTn id="33" fill="hold">
+                      <p:stCondLst>
+                        <p:cond delay="indefinite"/>
+                      </p:stCondLst>
+                      <p:childTnLst>
+                        <p:par>
+                          <p:cTn id="34" fill="hold">
+                            <p:stCondLst>
+                              <p:cond delay="0"/>
+                            </p:stCondLst>
+                            <p:childTnLst>
+                              <p:par>
+                                <p:cTn id="35" presetID="10" presetClass="entr" presetSubtype="0" fill="hold" grpId="0" nodeType="clickEffect">
+                                  <p:stCondLst>
+                                    <p:cond delay="0"/>
+                                  </p:stCondLst>
+                                  <p:childTnLst>
+                                    <p:set>
+                                      <p:cBhvr>
+                                        <p:cTn id="36" dur="1" fill="hold">
+                                          <p:stCondLst>
+                                            <p:cond delay="0"/>
+                                          </p:stCondLst>
+                                        </p:cTn>
+                                        <p:tgtEl>
+                                          <p:spTgt spid="3">
+                                            <p:txEl>
+                                              <p:pRg st="6" end="6"/>
+                                            </p:txEl>
+                                          </p:spTgt>
+                                        </p:tgtEl>
+                                        <p:attrNameLst>
+                                          <p:attrName>style.visibility</p:attrName>
+                                        </p:attrNameLst>
+                                      </p:cBhvr>
+                                      <p:to>
+                                        <p:strVal val="visible"/>
+                                      </p:to>
+                                    </p:set>
+                                    <p:animEffect transition="in" filter="fade">
+                                      <p:cBhvr>
+                                        <p:cTn id="37" dur="500"/>
+                                        <p:tgtEl>
+                                          <p:spTgt spid="3">
+                                            <p:txEl>
+                                              <p:pRg st="6" end="6"/>
+                                            </p:txEl>
+                                          </p:spTgt>
+                                        </p:tgtEl>
+                                      </p:cBhvr>
+                                    </p:animEffect>
+                                  </p:childTnLst>
+                                </p:cTn>
+                              </p:par>
+                            </p:childTnLst>
+                          </p:cTn>
+                        </p:par>
+                      </p:childTnLst>
+                    </p:cTn>
+                  </p:par>
+                  <p:par>
+                    <p:cTn id="38" fill="hold">
+                      <p:stCondLst>
+                        <p:cond delay="indefinite"/>
+                      </p:stCondLst>
+                      <p:childTnLst>
+                        <p:par>
+                          <p:cTn id="39" fill="hold">
+                            <p:stCondLst>
+                              <p:cond delay="0"/>
+                            </p:stCondLst>
+                            <p:childTnLst>
+                              <p:par>
+                                <p:cTn id="40" presetID="10" presetClass="entr" presetSubtype="0" fill="hold" grpId="0" nodeType="clickEffect">
+                                  <p:stCondLst>
+                                    <p:cond delay="0"/>
+                                  </p:stCondLst>
+                                  <p:childTnLst>
+                                    <p:set>
+                                      <p:cBhvr>
+                                        <p:cTn id="41" dur="1" fill="hold">
+                                          <p:stCondLst>
+                                            <p:cond delay="0"/>
+                                          </p:stCondLst>
+                                        </p:cTn>
+                                        <p:tgtEl>
+                                          <p:spTgt spid="3">
+                                            <p:txEl>
+                                              <p:pRg st="7" end="7"/>
+                                            </p:txEl>
+                                          </p:spTgt>
+                                        </p:tgtEl>
+                                        <p:attrNameLst>
+                                          <p:attrName>style.visibility</p:attrName>
+                                        </p:attrNameLst>
+                                      </p:cBhvr>
+                                      <p:to>
+                                        <p:strVal val="visible"/>
+                                      </p:to>
+                                    </p:set>
+                                    <p:animEffect transition="in" filter="fade">
+                                      <p:cBhvr>
+                                        <p:cTn id="42" dur="500"/>
+                                        <p:tgtEl>
+                                          <p:spTgt spid="3">
+                                            <p:txEl>
+                                              <p:pRg st="7" end="7"/>
+                                            </p:txEl>
+                                          </p:spTgt>
+                                        </p:tgtEl>
+                                      </p:cBhvr>
+                                    </p:animEffect>
+                                  </p:childTnLst>
+                                </p:cTn>
+                              </p:par>
+                            </p:childTnLst>
+                          </p:cTn>
+                        </p:par>
+                      </p:childTnLst>
+                    </p:cTn>
+                  </p:par>
+                  <p:par>
+                    <p:cTn id="43" fill="hold">
+                      <p:stCondLst>
+                        <p:cond delay="indefinite"/>
+                      </p:stCondLst>
+                      <p:childTnLst>
+                        <p:par>
+                          <p:cTn id="44" fill="hold">
+                            <p:stCondLst>
+                              <p:cond delay="0"/>
+                            </p:stCondLst>
+                            <p:childTnLst>
+                              <p:par>
+                                <p:cTn id="45" presetID="10" presetClass="entr" presetSubtype="0" fill="hold" grpId="0" nodeType="clickEffect">
+                                  <p:stCondLst>
+                                    <p:cond delay="0"/>
+                                  </p:stCondLst>
+                                  <p:childTnLst>
+                                    <p:set>
+                                      <p:cBhvr>
+                                        <p:cTn id="46" dur="1" fill="hold">
+                                          <p:stCondLst>
+                                            <p:cond delay="0"/>
+                                          </p:stCondLst>
+                                        </p:cTn>
+                                        <p:tgtEl>
+                                          <p:spTgt spid="3">
+                                            <p:txEl>
+                                              <p:pRg st="8" end="8"/>
+                                            </p:txEl>
+                                          </p:spTgt>
+                                        </p:tgtEl>
+                                        <p:attrNameLst>
+                                          <p:attrName>style.visibility</p:attrName>
+                                        </p:attrNameLst>
+                                      </p:cBhvr>
+                                      <p:to>
+                                        <p:strVal val="visible"/>
+                                      </p:to>
+                                    </p:set>
+                                    <p:animEffect transition="in" filter="fade">
+                                      <p:cBhvr>
+                                        <p:cTn id="47" dur="500"/>
+                                        <p:tgtEl>
+                                          <p:spTgt spid="3">
+                                            <p:txEl>
+                                              <p:pRg st="8" end="8"/>
+                                            </p:txEl>
+                                          </p:spTgt>
+                                        </p:tgtEl>
+                                      </p:cBhvr>
+                                    </p:animEffect>
+                                  </p:childTnLst>
+                                </p:cTn>
+                              </p:par>
+                            </p:childTnLst>
+                          </p:cTn>
+                        </p:par>
+                      </p:childTnLst>
+                    </p:cTn>
+                  </p:par>
+                  <p:par>
+                    <p:cTn id="48" fill="hold">
+                      <p:stCondLst>
+                        <p:cond delay="indefinite"/>
+                      </p:stCondLst>
+                      <p:childTnLst>
+                        <p:par>
+                          <p:cTn id="49" fill="hold">
+                            <p:stCondLst>
+                              <p:cond delay="0"/>
+                            </p:stCondLst>
+                            <p:childTnLst>
+                              <p:par>
+                                <p:cTn id="50" presetID="10" presetClass="entr" presetSubtype="0" fill="hold" grpId="0" nodeType="clickEffect">
+                                  <p:stCondLst>
+                                    <p:cond delay="0"/>
+                                  </p:stCondLst>
+                                  <p:childTnLst>
+                                    <p:set>
+                                      <p:cBhvr>
+                                        <p:cTn id="51" dur="1" fill="hold">
+                                          <p:stCondLst>
+                                            <p:cond delay="0"/>
+                                          </p:stCondLst>
+                                        </p:cTn>
+                                        <p:tgtEl>
+                                          <p:spTgt spid="3">
+                                            <p:txEl>
+                                              <p:pRg st="9" end="9"/>
+                                            </p:txEl>
+                                          </p:spTgt>
+                                        </p:tgtEl>
+                                        <p:attrNameLst>
+                                          <p:attrName>style.visibility</p:attrName>
+                                        </p:attrNameLst>
+                                      </p:cBhvr>
+                                      <p:to>
+                                        <p:strVal val="visible"/>
+                                      </p:to>
+                                    </p:set>
+                                    <p:animEffect transition="in" filter="fade">
+                                      <p:cBhvr>
+                                        <p:cTn id="52" dur="500"/>
+                                        <p:tgtEl>
+                                          <p:spTgt spid="3">
+                                            <p:txEl>
+                                              <p:pRg st="9" end="9"/>
+                                            </p:txEl>
+                                          </p:spTgt>
+                                        </p:tgtEl>
+                                      </p:cBhvr>
+                                    </p:animEffect>
+                                  </p:childTnLst>
+                                </p:cTn>
+                              </p:par>
+                            </p:childTnLst>
+                          </p:cTn>
+                        </p:par>
+                      </p:childTnLst>
+                    </p:cTn>
+                  </p:par>
+                </p:childTnLst>
+              </p:cTn>
+              <p:prevCondLst>
+                <p:cond evt="onPrev" delay="0">
+                  <p:tgtEl>
+                    <p:sldTgt/>
+                  </p:tgtEl>
+                </p:cond>
+              </p:prevCondLst>
+              <p:nextCondLst>
+                <p:cond evt="onNext" delay="0">
+                  <p:tgtEl>
+                    <p:sldTgt/>
+                  </p:tgtEl>
+                </p:cond>
+              </p:nextCondLst>
+            </p:seq>
+          </p:childTnLst>
+        </p:cTn>
+      </p:par>
+    </p:tnLst>
+    <p:bldLst>
+      <p:bldP spid="3" grpId="0" uiExpand="1" build="p"/>
+    </p:bldLst>
+  </p:timing>
+</p:sld>
+</file>
+
+<file path=ppt/slides/slide8.xml><?xml version="1.0" encoding="utf-8"?>
+<p:sld xmlns:a="http://schemas.openxmlformats.org/drawingml/2006/main" xmlns:r="http://schemas.openxmlformats.org/officeDocument/2006/relationships" xmlns:p="http://schemas.openxmlformats.org/presentationml/2006/main">
+  <p:cSld>
+    <p:spTree>
+      <p:nvGrpSpPr>
+        <p:cNvPr id="1" name=""/>
+        <p:cNvGrpSpPr/>
+        <p:nvPr/>
+      </p:nvGrpSpPr>
+      <p:grpSpPr>
+        <a:xfrm>
+          <a:off x="0" y="0"/>
+          <a:ext cx="0" cy="0"/>
+          <a:chOff x="0" y="0"/>
+          <a:chExt cx="0" cy="0"/>
+        </a:xfrm>
+      </p:grpSpPr>
+      <p:sp>
+        <p:nvSpPr>
+          <p:cNvPr id="2" name="标题 1"/>
+          <p:cNvSpPr>
+            <a:spLocks noGrp="1"/>
+          </p:cNvSpPr>
+          <p:nvPr>
+            <p:ph type="title"/>
+          </p:nvPr>
+        </p:nvSpPr>
+        <p:spPr/>
+        <p:txBody>
+          <a:bodyPr/>
+          <a:lstStyle/>
+          <a:p>
+            <a:r>
+              <a:rPr lang="zh-CN" altLang="en-US" dirty="0"/>
+              <a:t>自我评价</a:t>
+            </a:r>
+          </a:p>
+        </p:txBody>
+      </p:sp>
+      <p:sp>
+        <p:nvSpPr>
+          <p:cNvPr id="3" name="内容占位符 2"/>
+          <p:cNvSpPr>
+            <a:spLocks noGrp="1"/>
+          </p:cNvSpPr>
+          <p:nvPr>
+            <p:ph idx="1"/>
+          </p:nvPr>
+        </p:nvSpPr>
+        <p:spPr/>
+        <p:txBody>
+          <a:bodyPr/>
+          <a:lstStyle/>
+          <a:p>
+            <a:r>
+              <a:rPr lang="zh-CN" altLang="en-US" dirty="0" smtClean="0"/>
+              <a:t>覆盖率</a:t>
+            </a:r>
+            <a:endParaRPr lang="en-US" altLang="zh-CN" dirty="0" smtClean="0"/>
+          </a:p>
+          <a:p>
+            <a:pPr lvl="1"/>
+            <a:r>
+              <a:rPr lang="zh-CN" altLang="en-US" dirty="0"/>
+              <a:t>基本覆盖了需求文章中提到功能性、非功能性</a:t>
+            </a:r>
+            <a:r>
+              <a:rPr lang="zh-CN" altLang="en-US" dirty="0" smtClean="0"/>
+              <a:t>需求</a:t>
+            </a:r>
+            <a:endParaRPr lang="en-US" altLang="zh-CN" dirty="0" smtClean="0"/>
+          </a:p>
+          <a:p>
+            <a:r>
+              <a:rPr lang="zh-CN" altLang="en-US" dirty="0" smtClean="0"/>
+              <a:t>可追踪</a:t>
+            </a:r>
+            <a:endParaRPr lang="en-US" altLang="zh-CN" dirty="0" smtClean="0"/>
+          </a:p>
+          <a:p>
+            <a:r>
+              <a:rPr lang="zh-CN" altLang="en-US" dirty="0" smtClean="0"/>
+              <a:t>工作量估计</a:t>
+            </a:r>
+            <a:endParaRPr lang="en-US" altLang="zh-CN" dirty="0" smtClean="0"/>
+          </a:p>
+          <a:p>
+            <a:r>
+              <a:rPr lang="zh-CN" altLang="en-US" dirty="0" smtClean="0"/>
+              <a:t>步骤详细</a:t>
+            </a:r>
+            <a:endParaRPr lang="en-US" altLang="zh-CN" dirty="0" smtClean="0"/>
+          </a:p>
+          <a:p>
+            <a:endParaRPr lang="en-US" altLang="zh-CN" dirty="0"/>
+          </a:p>
+        </p:txBody>
+      </p:sp>
+    </p:spTree>
+    <p:extLst>
+      <p:ext uri="{BB962C8B-B14F-4D97-AF65-F5344CB8AC3E}">
+        <p14:creationId xmlns:p14="http://schemas.microsoft.com/office/powerpoint/2010/main" val="3805388210"/>
+      </p:ext>
+    </p:extLst>
+  </p:cSld>
+  <p:clrMapOvr>
+    <a:masterClrMapping/>
+  </p:clrMapOvr>
+  <p:transition spd="slow">
+    <p:push dir="u"/>
+  </p:transition>
+  <p:timing>
+    <p:tnLst>
+      <p:par>
+        <p:cTn id="1" dur="indefinite" restart="never" nodeType="tmRoot">
+          <p:childTnLst>
+            <p:seq concurrent="1" nextAc="seek">
+              <p:cTn id="2" dur="indefinite" nodeType="mainSeq">
+                <p:childTnLst>
+                  <p:par>
+                    <p:cTn id="3" fill="hold">
+                      <p:stCondLst>
+                        <p:cond delay="indefinite"/>
+                      </p:stCondLst>
+                      <p:childTnLst>
+                        <p:par>
+                          <p:cTn id="4" fill="hold">
+                            <p:stCondLst>
+                              <p:cond delay="0"/>
+                            </p:stCondLst>
+                            <p:childTnLst>
+                              <p:par>
+                                <p:cTn id="5" presetID="10" presetClass="entr" presetSubtype="0" fill="hold" grpId="0" nodeType="clickEffect">
+                                  <p:stCondLst>
+                                    <p:cond delay="0"/>
+                                  </p:stCondLst>
+                                  <p:childTnLst>
+                                    <p:set>
+                                      <p:cBhvr>
+                                        <p:cTn id="6" dur="1" fill="hold">
+                                          <p:stCondLst>
+                                            <p:cond delay="0"/>
+                                          </p:stCondLst>
+                                        </p:cTn>
+                                        <p:tgtEl>
+                                          <p:spTgt spid="3">
+                                            <p:txEl>
+                                              <p:pRg st="0" end="0"/>
+                                            </p:txEl>
+                                          </p:spTgt>
+                                        </p:tgtEl>
+                                        <p:attrNameLst>
+                                          <p:attrName>style.visibility</p:attrName>
+                                        </p:attrNameLst>
+                                      </p:cBhvr>
+                                      <p:to>
+                                        <p:strVal val="visible"/>
+                                      </p:to>
+                                    </p:set>
+                                    <p:animEffect transition="in" filter="fade">
+                                      <p:cBhvr>
+                                        <p:cTn id="7" dur="500"/>
+                                        <p:tgtEl>
+                                          <p:spTgt spid="3">
+                                            <p:txEl>
+                                              <p:pRg st="0" end="0"/>
+                                            </p:txEl>
+                                          </p:spTgt>
+                                        </p:tgtEl>
+                                      </p:cBhvr>
+                                    </p:animEffect>
+                                  </p:childTnLst>
+                                </p:cTn>
+                              </p:par>
+                            </p:childTnLst>
+                          </p:cTn>
+                        </p:par>
+                      </p:childTnLst>
+                    </p:cTn>
+                  </p:par>
+                  <p:par>
+                    <p:cTn id="8" fill="hold">
+                      <p:stCondLst>
+                        <p:cond delay="indefinite"/>
+                      </p:stCondLst>
+                      <p:childTnLst>
+                        <p:par>
+                          <p:cTn id="9" fill="hold">
+                            <p:stCondLst>
+                              <p:cond delay="0"/>
+                            </p:stCondLst>
+                            <p:childTnLst>
+                              <p:par>
+                                <p:cTn id="10" presetID="10" presetClass="entr" presetSubtype="0" fill="hold" grpId="0" nodeType="clickEffect">
+                                  <p:stCondLst>
+                                    <p:cond delay="0"/>
+                                  </p:stCondLst>
+                                  <p:childTnLst>
+                                    <p:set>
+                                      <p:cBhvr>
+                                        <p:cTn id="11" dur="1" fill="hold">
+                                          <p:stCondLst>
+                                            <p:cond delay="0"/>
+                                          </p:stCondLst>
+                                        </p:cTn>
+                                        <p:tgtEl>
+                                          <p:spTgt spid="3">
+                                            <p:txEl>
+                                              <p:pRg st="1" end="1"/>
+                                            </p:txEl>
+                                          </p:spTgt>
+                                        </p:tgtEl>
+                                        <p:attrNameLst>
+                                          <p:attrName>style.visibility</p:attrName>
+                                        </p:attrNameLst>
+                                      </p:cBhvr>
+                                      <p:to>
+                                        <p:strVal val="visible"/>
+                                      </p:to>
+                                    </p:set>
+                                    <p:animEffect transition="in" filter="fade">
+                                      <p:cBhvr>
+                                        <p:cTn id="12" dur="500"/>
+                                        <p:tgtEl>
+                                          <p:spTgt spid="3">
+                                            <p:txEl>
+                                              <p:pRg st="1" end="1"/>
+                                            </p:txEl>
+                                          </p:spTgt>
+                                        </p:tgtEl>
+                                      </p:cBhvr>
+                                    </p:animEffect>
+                                  </p:childTnLst>
+                                </p:cTn>
+                              </p:par>
+                            </p:childTnLst>
+                          </p:cTn>
+                        </p:par>
+                      </p:childTnLst>
+                    </p:cTn>
+                  </p:par>
+                  <p:par>
+                    <p:cTn id="13" fill="hold">
+                      <p:stCondLst>
+                        <p:cond delay="indefinite"/>
+                      </p:stCondLst>
+                      <p:childTnLst>
+                        <p:par>
+                          <p:cTn id="14" fill="hold">
+                            <p:stCondLst>
+                              <p:cond delay="0"/>
+                            </p:stCondLst>
+                            <p:childTnLst>
+                              <p:par>
+                                <p:cTn id="15" presetID="10" presetClass="entr" presetSubtype="0" fill="hold" grpId="0" nodeType="clickEffect">
+                                  <p:stCondLst>
+                                    <p:cond delay="0"/>
+                                  </p:stCondLst>
+                                  <p:childTnLst>
+                                    <p:set>
+                                      <p:cBhvr>
+                                        <p:cTn id="16" dur="1" fill="hold">
+                                          <p:stCondLst>
+                                            <p:cond delay="0"/>
+                                          </p:stCondLst>
+                                        </p:cTn>
+                                        <p:tgtEl>
+                                          <p:spTgt spid="3">
+                                            <p:txEl>
+                                              <p:pRg st="2" end="2"/>
+                                            </p:txEl>
+                                          </p:spTgt>
+                                        </p:tgtEl>
+                                        <p:attrNameLst>
+                                          <p:attrName>style.visibility</p:attrName>
+                                        </p:attrNameLst>
+                                      </p:cBhvr>
+                                      <p:to>
+                                        <p:strVal val="visible"/>
+                                      </p:to>
+                                    </p:set>
+                                    <p:animEffect transition="in" filter="fade">
+                                      <p:cBhvr>
+                                        <p:cTn id="17" dur="500"/>
+                                        <p:tgtEl>
+                                          <p:spTgt spid="3">
+                                            <p:txEl>
+                                              <p:pRg st="2" end="2"/>
+                                            </p:txEl>
+                                          </p:spTgt>
+                                        </p:tgtEl>
+                                      </p:cBhvr>
+                                    </p:animEffect>
+                                  </p:childTnLst>
+                                </p:cTn>
+                              </p:par>
+                            </p:childTnLst>
+                          </p:cTn>
+                        </p:par>
+                      </p:childTnLst>
+                    </p:cTn>
+                  </p:par>
+                  <p:par>
+                    <p:cTn id="18" fill="hold">
+                      <p:stCondLst>
+                        <p:cond delay="indefinite"/>
+                      </p:stCondLst>
+                      <p:childTnLst>
+                        <p:par>
+                          <p:cTn id="19" fill="hold">
+                            <p:stCondLst>
+                              <p:cond delay="0"/>
+                            </p:stCondLst>
+                            <p:childTnLst>
+                              <p:par>
+                                <p:cTn id="20" presetID="10" presetClass="entr" presetSubtype="0" fill="hold" grpId="0" nodeType="clickEffect">
+                                  <p:stCondLst>
+                                    <p:cond delay="0"/>
+                                  </p:stCondLst>
+                                  <p:childTnLst>
+                                    <p:set>
+                                      <p:cBhvr>
+                                        <p:cTn id="21" dur="1" fill="hold">
+                                          <p:stCondLst>
+                                            <p:cond delay="0"/>
+                                          </p:stCondLst>
+                                        </p:cTn>
+                                        <p:tgtEl>
+                                          <p:spTgt spid="3">
+                                            <p:txEl>
+                                              <p:pRg st="3" end="3"/>
+                                            </p:txEl>
+                                          </p:spTgt>
+                                        </p:tgtEl>
+                                        <p:attrNameLst>
+                                          <p:attrName>style.visibility</p:attrName>
+                                        </p:attrNameLst>
+                                      </p:cBhvr>
+                                      <p:to>
+                                        <p:strVal val="visible"/>
+                                      </p:to>
+                                    </p:set>
+                                    <p:animEffect transition="in" filter="fade">
+                                      <p:cBhvr>
+                                        <p:cTn id="22" dur="500"/>
+                                        <p:tgtEl>
+                                          <p:spTgt spid="3">
+                                            <p:txEl>
+                                              <p:pRg st="3" end="3"/>
+                                            </p:txEl>
+                                          </p:spTgt>
+                                        </p:tgtEl>
+                                      </p:cBhvr>
+                                    </p:animEffect>
+                                  </p:childTnLst>
+                                </p:cTn>
+                              </p:par>
+                            </p:childTnLst>
+                          </p:cTn>
+                        </p:par>
+                      </p:childTnLst>
+                    </p:cTn>
+                  </p:par>
+                  <p:par>
+                    <p:cTn id="23" fill="hold">
+                      <p:stCondLst>
+                        <p:cond delay="indefinite"/>
+                      </p:stCondLst>
+                      <p:childTnLst>
+                        <p:par>
+                          <p:cTn id="24" fill="hold">
+                            <p:stCondLst>
+                              <p:cond delay="0"/>
+                            </p:stCondLst>
+                            <p:childTnLst>
+                              <p:par>
+                                <p:cTn id="25" presetID="10" presetClass="entr" presetSubtype="0" fill="hold" grpId="0" nodeType="clickEffect">
+                                  <p:stCondLst>
+                                    <p:cond delay="0"/>
+                                  </p:stCondLst>
+                                  <p:childTnLst>
+                                    <p:set>
+                                      <p:cBhvr>
+                                        <p:cTn id="26" dur="1" fill="hold">
+                                          <p:stCondLst>
+                                            <p:cond delay="0"/>
+                                          </p:stCondLst>
+                                        </p:cTn>
+                                        <p:tgtEl>
+                                          <p:spTgt spid="3">
+                                            <p:txEl>
+                                              <p:pRg st="4" end="4"/>
+                                            </p:txEl>
+                                          </p:spTgt>
+                                        </p:tgtEl>
+                                        <p:attrNameLst>
+                                          <p:attrName>style.visibility</p:attrName>
+                                        </p:attrNameLst>
+                                      </p:cBhvr>
+                                      <p:to>
+                                        <p:strVal val="visible"/>
+                                      </p:to>
+                                    </p:set>
+                                    <p:animEffect transition="in" filter="fade">
+                                      <p:cBhvr>
+                                        <p:cTn id="27" dur="500"/>
+                                        <p:tgtEl>
+                                          <p:spTgt spid="3">
+                                            <p:txEl>
+                                              <p:pRg st="4" end="4"/>
+                                            </p:txEl>
+                                          </p:spTgt>
+                                        </p:tgtEl>
+                                      </p:cBhvr>
+                                    </p:animEffect>
+                                  </p:childTnLst>
+                                </p:cTn>
+                              </p:par>
+                            </p:childTnLst>
+                          </p:cTn>
+                        </p:par>
+                      </p:childTnLst>
+                    </p:cTn>
+                  </p:par>
+                </p:childTnLst>
+              </p:cTn>
+              <p:prevCondLst>
+                <p:cond evt="onPrev" delay="0">
+                  <p:tgtEl>
+                    <p:sldTgt/>
+                  </p:tgtEl>
+                </p:cond>
+              </p:prevCondLst>
+              <p:nextCondLst>
+                <p:cond evt="onNext" delay="0">
+                  <p:tgtEl>
+                    <p:sldTgt/>
+                  </p:tgtEl>
+                </p:cond>
+              </p:nextCondLst>
+            </p:seq>
+          </p:childTnLst>
+        </p:cTn>
+      </p:par>
+    </p:tnLst>
+    <p:bldLst>
+      <p:bldP spid="3" grpId="0" uiExpand="1" build="p"/>
+    </p:bldLst>
+  </p:timing>
 </p:sld>
 </file>
 
